--- a/restful-api-presentations/phillips-presentation-week-3.pptx
+++ b/restful-api-presentations/phillips-presentation-week-3.pptx
@@ -17,9 +17,9 @@
     <p:sldId id="287" r:id="rId8"/>
     <p:sldId id="288" r:id="rId9"/>
     <p:sldId id="279" r:id="rId10"/>
-    <p:sldId id="284" r:id="rId11"/>
-    <p:sldId id="285" r:id="rId12"/>
-    <p:sldId id="286" r:id="rId13"/>
+    <p:sldId id="286" r:id="rId11"/>
+    <p:sldId id="284" r:id="rId12"/>
+    <p:sldId id="285" r:id="rId13"/>
     <p:sldId id="282" r:id="rId14"/>
   </p:sldIdLst>
   <p:sldSz cx="12192000" cy="6858000"/>
@@ -134,9 +134,9 @@
             <p14:sldId id="287"/>
             <p14:sldId id="288"/>
             <p14:sldId id="279"/>
+            <p14:sldId id="286"/>
             <p14:sldId id="284"/>
             <p14:sldId id="285"/>
-            <p14:sldId id="286"/>
           </p14:sldIdLst>
         </p14:section>
         <p14:section name="Learn More" id="{2CC34DB2-6590-42C0-AD4B-A04C6060184E}">
@@ -2586,99 +2586,10 @@
               </a:spcAft>
             </a:pPr>
             <a:r>
-              <a:rPr lang="en-US" sz="1100" dirty="0"/>
-              <a:t>Guru99. (</a:t>
-            </a:r>
-            <a:r>
-              <a:rPr lang="en-US" sz="1100" dirty="0" err="1"/>
-              <a:t>n.d.</a:t>
-            </a:r>
-            <a:r>
-              <a:rPr lang="en-US" sz="1100" dirty="0"/>
-              <a:t>). SOAP Vs. REST: Difference between Web API Services. Retrieved October 22, 2019, from </a:t>
-            </a:r>
-          </a:p>
-          <a:p>
-            <a:pPr>
-              <a:lnSpc>
-                <a:spcPct val="100000"/>
-              </a:lnSpc>
-              <a:spcBef>
-                <a:spcPts val="0"/>
-              </a:spcBef>
-              <a:spcAft>
-                <a:spcPts val="0"/>
-              </a:spcAft>
-            </a:pPr>
-            <a:r>
-              <a:rPr lang="en-US" sz="1100" dirty="0"/>
-              <a:t>     Guru99 website: https://www.guru99.com/comparison-between-web-services.html </a:t>
-            </a:r>
-          </a:p>
-          <a:p>
-            <a:pPr>
-              <a:lnSpc>
-                <a:spcPct val="100000"/>
-              </a:lnSpc>
-              <a:spcBef>
-                <a:spcPts val="0"/>
-              </a:spcBef>
-              <a:spcAft>
-                <a:spcPts val="0"/>
-              </a:spcAft>
-            </a:pPr>
-            <a:endParaRPr lang="en-US" sz="1100" dirty="0"/>
-          </a:p>
-          <a:p>
-            <a:pPr>
-              <a:lnSpc>
-                <a:spcPct val="100000"/>
-              </a:lnSpc>
-              <a:spcBef>
-                <a:spcPts val="0"/>
-              </a:spcBef>
-              <a:spcAft>
-                <a:spcPts val="0"/>
-              </a:spcAft>
-            </a:pPr>
-            <a:r>
-              <a:rPr lang="en-US" sz="1100" dirty="0" err="1"/>
-              <a:t>chakray</a:t>
-            </a:r>
-            <a:r>
-              <a:rPr lang="en-US" sz="1100" dirty="0"/>
-              <a:t>. (2017, February 9). REST API? Retrieved October 22, 2019, from </a:t>
-            </a:r>
-            <a:r>
-              <a:rPr lang="en-US" sz="1100" dirty="0" err="1"/>
-              <a:t>chakray</a:t>
-            </a:r>
-            <a:r>
-              <a:rPr lang="en-US" sz="1100" dirty="0"/>
-              <a:t> website: </a:t>
-            </a:r>
-          </a:p>
-          <a:p>
-            <a:pPr>
-              <a:lnSpc>
-                <a:spcPct val="100000"/>
-              </a:lnSpc>
-              <a:spcBef>
-                <a:spcPts val="0"/>
-              </a:spcBef>
-              <a:spcAft>
-                <a:spcPts val="0"/>
-              </a:spcAft>
-            </a:pPr>
-            <a:r>
-              <a:rPr lang="en-US" sz="1100" dirty="0"/>
-              <a:t>     </a:t>
-            </a:r>
-            <a:r>
               <a:rPr lang="en-US" sz="1100" dirty="0">
                 <a:hlinkClick r:id="rId3"/>
               </a:rPr>
-              <a:t>https://www.chakray.com/advantages-of-rest-api/</a:t>
+              <a:t>https://content.bellevue.edu/cst/WEB/WEB420/Week%203/SOAP%20Article.pdf</a:t>
             </a:r>
             <a:endParaRPr lang="en-US" sz="1100" dirty="0"/>
           </a:p>
@@ -2709,29 +2620,14 @@
               </a:spcAft>
             </a:pPr>
             <a:r>
-              <a:rPr lang="en-US" sz="1100" dirty="0" err="1"/>
-              <a:t>mulesoft</a:t>
-            </a:r>
-            <a:r>
-              <a:rPr lang="en-US" sz="1100" dirty="0"/>
-              <a:t>. (</a:t>
-            </a:r>
-            <a:r>
-              <a:rPr lang="en-US" sz="1100" dirty="0" err="1"/>
-              <a:t>n.d.</a:t>
-            </a:r>
-            <a:r>
-              <a:rPr lang="en-US" sz="1100" dirty="0"/>
-              <a:t>). What is a RESTful API? Retrieved October 22, 2019, from </a:t>
-            </a:r>
-            <a:r>
-              <a:rPr lang="en-US" sz="1100" dirty="0" err="1"/>
-              <a:t>mulesoft</a:t>
-            </a:r>
-            <a:r>
-              <a:rPr lang="en-US" sz="1100" dirty="0"/>
-              <a:t> website: </a:t>
-            </a:r>
+              <a:rPr lang="en-US" sz="1100" dirty="0">
+                <a:hlinkClick r:id="rId4"/>
+              </a:rPr>
+              <a:t>https://content.bellevue.edu/cst/WEB/WEB420/Week%203/How%20Clean%20is%20the%20Future%20of%20Soap.pdf</a:t>
+            </a:r>
+            <a:endParaRPr lang="en-US" sz="1100" dirty="0">
+              <a:hlinkClick r:id="rId5"/>
+            </a:endParaRPr>
           </a:p>
           <a:p>
             <a:pPr>
@@ -2745,10 +2641,9 @@
                 <a:spcPts val="0"/>
               </a:spcAft>
             </a:pPr>
-            <a:r>
-              <a:rPr lang="en-US" sz="1100" dirty="0"/>
-              <a:t>     https://www.mulesoft.com/resources/api/restful-api </a:t>
-            </a:r>
+            <a:endParaRPr lang="en-US" sz="1100" dirty="0">
+              <a:hlinkClick r:id="rId5"/>
+            </a:endParaRPr>
           </a:p>
           <a:p>
             <a:pPr>
@@ -2762,6 +2657,12 @@
                 <a:spcPts val="0"/>
               </a:spcAft>
             </a:pPr>
+            <a:r>
+              <a:rPr lang="en-US" sz="1100" dirty="0">
+                <a:hlinkClick r:id="rId5"/>
+              </a:rPr>
+              <a:t>https://www.tutorialspoint.com/soap/soap_envelope.htm</a:t>
+            </a:r>
             <a:endParaRPr lang="en-US" sz="1100" dirty="0"/>
           </a:p>
           <a:p>
@@ -2776,30 +2677,7 @@
                 <a:spcPts val="0"/>
               </a:spcAft>
             </a:pPr>
-            <a:r>
-              <a:rPr lang="en-US" sz="1100" dirty="0" err="1"/>
-              <a:t>restfulapi</a:t>
-            </a:r>
-            <a:r>
-              <a:rPr lang="en-US" sz="1100" dirty="0"/>
-              <a:t>. (</a:t>
-            </a:r>
-            <a:r>
-              <a:rPr lang="en-US" sz="1100" dirty="0" err="1"/>
-              <a:t>n.d.</a:t>
-            </a:r>
-            <a:r>
-              <a:rPr lang="en-US" sz="1100" dirty="0"/>
-              <a:t>). What is REST. Retrieved October 22, 2019, from </a:t>
-            </a:r>
-            <a:r>
-              <a:rPr lang="en-US" sz="1100" dirty="0" err="1"/>
-              <a:t>restfulapi</a:t>
-            </a:r>
-            <a:r>
-              <a:rPr lang="en-US" sz="1100" dirty="0"/>
-              <a:t> website: </a:t>
-            </a:r>
+            <a:endParaRPr lang="en-US" sz="1100" dirty="0"/>
           </a:p>
           <a:p>
             <a:pPr>
@@ -2814,9 +2692,60 @@
               </a:spcAft>
             </a:pPr>
             <a:r>
-              <a:rPr lang="en-US" sz="1100" dirty="0"/>
-              <a:t>     https://restfulapi.net/</a:t>
-            </a:r>
+              <a:rPr lang="en-US" sz="1100" dirty="0">
+                <a:hlinkClick r:id="rId6"/>
+              </a:rPr>
+              <a:t>https://www.tutorialspoint.com/soap/soap_fault.htm</a:t>
+            </a:r>
+            <a:endParaRPr lang="en-US" sz="1100" dirty="0"/>
+          </a:p>
+          <a:p>
+            <a:pPr>
+              <a:lnSpc>
+                <a:spcPct val="100000"/>
+              </a:lnSpc>
+              <a:spcBef>
+                <a:spcPts val="0"/>
+              </a:spcBef>
+              <a:spcAft>
+                <a:spcPts val="0"/>
+              </a:spcAft>
+            </a:pPr>
+            <a:endParaRPr lang="en-US" sz="1100" dirty="0"/>
+          </a:p>
+          <a:p>
+            <a:pPr>
+              <a:lnSpc>
+                <a:spcPct val="100000"/>
+              </a:lnSpc>
+              <a:spcBef>
+                <a:spcPts val="0"/>
+              </a:spcBef>
+              <a:spcAft>
+                <a:spcPts val="0"/>
+              </a:spcAft>
+            </a:pPr>
+            <a:r>
+              <a:rPr lang="en-US" sz="1100" dirty="0">
+                <a:hlinkClick r:id="rId7"/>
+              </a:rPr>
+              <a:t>https://www.journaldev.com/9193/web-services-interview-questions-soap-restful</a:t>
+            </a:r>
+            <a:endParaRPr lang="en-US" sz="1100" dirty="0"/>
+          </a:p>
+          <a:p>
+            <a:pPr>
+              <a:lnSpc>
+                <a:spcPct val="100000"/>
+              </a:lnSpc>
+              <a:spcBef>
+                <a:spcPts val="0"/>
+              </a:spcBef>
+              <a:spcAft>
+                <a:spcPts val="0"/>
+              </a:spcAft>
+            </a:pPr>
+            <a:endParaRPr lang="en-US" sz="1100" dirty="0"/>
           </a:p>
         </p:txBody>
       </p:sp>
@@ -2889,7 +2818,7 @@
                 <a:latin typeface="Segoe UI Light" panose="020B0502040204020203" pitchFamily="34" charset="0"/>
                 <a:cs typeface="Segoe UI Light" panose="020B0502040204020203" pitchFamily="34" charset="0"/>
               </a:rPr>
-              <a:t>What is a RESTful API?</a:t>
+              <a:t>What is SOAP?</a:t>
             </a:r>
           </a:p>
         </p:txBody>
@@ -2913,7 +2842,7 @@
         </p:spPr>
         <p:txBody>
           <a:bodyPr vert="horz" lIns="91440" tIns="45720" rIns="91440" bIns="45720" rtlCol="0">
-            <a:normAutofit fontScale="92500"/>
+            <a:normAutofit/>
           </a:bodyPr>
           <a:lstStyle>
             <a:lvl1pPr marL="228600" indent="-228600" algn="l" defTabSz="914400" rtl="0" eaLnBrk="1" latinLnBrk="0" hangingPunct="1">
@@ -3119,15 +3048,12 @@
               <a:defRPr/>
             </a:pPr>
             <a:r>
-              <a:rPr lang="en-US" dirty="0">
-                <a:latin typeface="Segoe UI" panose="020B0502040204020203" pitchFamily="34" charset="0"/>
-                <a:cs typeface="Segoe UI" panose="020B0502040204020203" pitchFamily="34" charset="0"/>
-              </a:rPr>
-              <a:t>Last week we learned about resource state and application state</a:t>
-            </a:r>
-          </a:p>
-          <a:p>
-            <a:pPr lvl="1">
+              <a:rPr lang="en-US" dirty="0"/>
+              <a:t>SOAP is known as a transport-independent messaging protocol. SOAP is based on transferring XML data as SOAP Messages. Each message has something which is known as an XML document. Only the structure of the XML document follows a specific pattern, but not the content. The best part of Web services and SOAP is that its all sent via HTTP, which is the standard web protocol The protocol defines a messaging mechanism for encoding information into an XML wrapper</a:t>
+            </a:r>
+          </a:p>
+          <a:p>
+            <a:pPr>
               <a:spcAft>
                 <a:spcPts val="2000"/>
               </a:spcAft>
@@ -3136,11 +3062,11 @@
             </a:pPr>
             <a:r>
               <a:rPr lang="en-US" dirty="0"/>
-              <a:t>Application state is kept on the client, but the server can manipulate it by sending representations that describe the possible state transitions </a:t>
-            </a:r>
-          </a:p>
-          <a:p>
-            <a:pPr lvl="1">
+              <a:t> SOAP is a protocol or in other words is a definition of how web services talk to each other or talk to client applications that invoke them</a:t>
+            </a:r>
+          </a:p>
+          <a:p>
+            <a:pPr>
               <a:spcAft>
                 <a:spcPts val="2000"/>
               </a:spcAft>
@@ -3149,11 +3075,11 @@
             </a:pPr>
             <a:r>
               <a:rPr lang="en-US" dirty="0"/>
-              <a:t>Resource state is kept and recorded on the server, the client state does not know about resource state</a:t>
-            </a:r>
-          </a:p>
-          <a:p>
-            <a:pPr lvl="1">
+              <a:t>SOAP was developed as an intermediate language so that applications built on various programming languages could talk easily to each other and avoid the extreme development effort</a:t>
+            </a:r>
+          </a:p>
+          <a:p>
+            <a:pPr>
               <a:spcAft>
                 <a:spcPts val="2000"/>
               </a:spcAft>
@@ -3162,13 +3088,8 @@
             </a:pPr>
             <a:r>
               <a:rPr lang="en-US" dirty="0"/>
-              <a:t>Resource state is affected when the page state has changed by having data </a:t>
-            </a:r>
-            <a:r>
-              <a:rPr lang="en-US" dirty="0" err="1"/>
-              <a:t>POSTed</a:t>
-            </a:r>
-            <a:endParaRPr lang="en-US" dirty="0"/>
+              <a:t>Using a SOAP or REST API service allows an application in any language to communicate directly with the broadcasted service in a language agnostic manner and retrieve data</a:t>
+            </a:r>
           </a:p>
           <a:p>
             <a:pPr>
@@ -3180,57 +3101,8 @@
             </a:pPr>
             <a:r>
               <a:rPr lang="en-US" dirty="0"/>
-              <a:t>Although a resource can be anything at all, a client can’t do whatever it wants to a resource.</a:t>
-            </a:r>
-          </a:p>
-          <a:p>
-            <a:pPr>
-              <a:spcAft>
-                <a:spcPts val="600"/>
-              </a:spcAft>
-              <a:buFontTx/>
-              <a:buChar char="-"/>
-              <a:defRPr/>
-            </a:pPr>
-            <a:r>
-              <a:rPr lang="en-US" dirty="0"/>
-              <a:t>In a RESTful system, clients and servers interact only by sending each other messages that follow a predefined protocol.</a:t>
-            </a:r>
-          </a:p>
-          <a:p>
-            <a:pPr>
-              <a:spcAft>
-                <a:spcPts val="600"/>
-              </a:spcAft>
-              <a:buFontTx/>
-              <a:buChar char="-"/>
-              <a:defRPr/>
-            </a:pPr>
-            <a:r>
-              <a:rPr lang="en-US" dirty="0">
-                <a:latin typeface="Segoe UI" panose="020B0502040204020203" pitchFamily="34" charset="0"/>
-                <a:cs typeface="Segoe UI" panose="020B0502040204020203" pitchFamily="34" charset="0"/>
-              </a:rPr>
-              <a:t>The protocol used is called HTTP</a:t>
-            </a:r>
-          </a:p>
-          <a:p>
-            <a:pPr>
-              <a:spcAft>
-                <a:spcPts val="600"/>
-              </a:spcAft>
-              <a:buFontTx/>
-              <a:buChar char="-"/>
-              <a:defRPr/>
-            </a:pPr>
-            <a:r>
-              <a:rPr lang="en-US" dirty="0"/>
-              <a:t>The HTTP standard defines eight different kinds of messages. These four are the most commonly used</a:t>
-            </a:r>
-            <a:endParaRPr lang="en-US" dirty="0">
-              <a:latin typeface="Segoe UI" panose="020B0502040204020203" pitchFamily="34" charset="0"/>
-              <a:cs typeface="Segoe UI" panose="020B0502040204020203" pitchFamily="34" charset="0"/>
-            </a:endParaRPr>
+              <a:t>SOAP sends data back and forth using XML</a:t>
+            </a:r>
           </a:p>
         </p:txBody>
       </p:sp>
@@ -3321,7 +3193,7 @@
           <a:p>
             <a:r>
               <a:rPr lang="en-US" dirty="0"/>
-              <a:t>RESTful APIs Cont’d</a:t>
+              <a:t>SOAP Cont’d</a:t>
             </a:r>
           </a:p>
         </p:txBody>
@@ -3337,7 +3209,7 @@
         <p:spPr>
           <a:xfrm>
             <a:off x="541609" y="1455491"/>
-            <a:ext cx="9374748" cy="4607958"/>
+            <a:ext cx="7634982" cy="4607958"/>
           </a:xfrm>
           <a:prstGeom prst="rect">
             <a:avLst/>
@@ -3550,12 +3422,12 @@
               <a:buChar char="-"/>
             </a:pPr>
             <a:r>
-              <a:rPr lang="en-US" dirty="0"/>
-              <a:t>A REST API should be entered with:</a:t>
-            </a:r>
-          </a:p>
-          <a:p>
-            <a:pPr lvl="1">
+              <a:rPr lang="en-US" b="1" dirty="0"/>
+              <a:t>How envelopes work:</a:t>
+            </a:r>
+          </a:p>
+          <a:p>
+            <a:pPr>
               <a:spcAft>
                 <a:spcPts val="2000"/>
               </a:spcAft>
@@ -3564,11 +3436,11 @@
             </a:pPr>
             <a:r>
               <a:rPr lang="en-US" dirty="0"/>
-              <a:t>no prior knowledge beyond the initial URI (bookmark) </a:t>
-            </a:r>
-          </a:p>
-          <a:p>
-            <a:pPr lvl="1">
+              <a:t>SOAP is powerful because of the use of HTTP protocol which almost never blocked within corporation firewalls</a:t>
+            </a:r>
+          </a:p>
+          <a:p>
+            <a:pPr>
               <a:spcAft>
                 <a:spcPts val="2000"/>
               </a:spcAft>
@@ -3577,7 +3449,14 @@
             </a:pPr>
             <a:r>
               <a:rPr lang="en-US" dirty="0"/>
-              <a:t>set of standardized media types that are appropriate for the intended audience</a:t>
+              <a:t>HTTP uses a header to denote the host system to where a packet is directed. There is a SOAP-specific HTTP </a:t>
+            </a:r>
+            <a:br>
+              <a:rPr lang="en-US" dirty="0"/>
+            </a:br>
+            <a:r>
+              <a:rPr lang="en-US" dirty="0"/>
+              <a:t>header entry to facilitate automated picket routing within a SAOP processing architecture </a:t>
             </a:r>
           </a:p>
           <a:p>
@@ -3590,11 +3469,11 @@
             </a:pPr>
             <a:r>
               <a:rPr lang="en-US" dirty="0"/>
-              <a:t>All application state transitions must be driven by client selection of server-provided choices that are: </a:t>
-            </a:r>
-          </a:p>
-          <a:p>
-            <a:pPr lvl="1">
+              <a:t>The SOAP envelope is a mandatory part of SOAP message and every must contain exactly one body element</a:t>
+            </a:r>
+          </a:p>
+          <a:p>
+            <a:pPr>
               <a:spcAft>
                 <a:spcPts val="2000"/>
               </a:spcAft>
@@ -3603,11 +3482,11 @@
             </a:pPr>
             <a:r>
               <a:rPr lang="en-US" dirty="0"/>
-              <a:t>present in the received representations</a:t>
-            </a:r>
-          </a:p>
-          <a:p>
-            <a:pPr lvl="1">
+              <a:t>The SOAP envelope serves as a wrapper for the really important information (The envelope does not specify an address, but instead serves as a three-ring binder with groups of notes and information separated by tab sheets)</a:t>
+            </a:r>
+          </a:p>
+          <a:p>
+            <a:pPr>
               <a:spcAft>
                 <a:spcPts val="2000"/>
               </a:spcAft>
@@ -3616,24 +3495,41 @@
             </a:pPr>
             <a:r>
               <a:rPr lang="en-US" dirty="0"/>
-              <a:t>implied by the user’s manipulation of those representations</a:t>
-            </a:r>
-          </a:p>
-          <a:p>
-            <a:pPr>
-              <a:spcAft>
-                <a:spcPts val="2000"/>
-              </a:spcAft>
-              <a:buFontTx/>
-              <a:buChar char="-"/>
-            </a:pPr>
-            <a:r>
-              <a:rPr lang="en-US" dirty="0"/>
-              <a:t>The transitions may be determined (or limited by) the client’s knowledge of media types and resource communication mechanisms, both of which may be improved on-the-fly</a:t>
+              <a:t>Tabbed sections are optional and consist of header, message body, and custom elements</a:t>
             </a:r>
           </a:p>
         </p:txBody>
       </p:sp>
+      <p:pic>
+        <p:nvPicPr>
+          <p:cNvPr id="2" name="Picture 1">
+            <a:extLst>
+              <a:ext uri="{FF2B5EF4-FFF2-40B4-BE49-F238E27FC236}">
+                <a16:creationId xmlns:a16="http://schemas.microsoft.com/office/drawing/2014/main" id="{E7CD487F-75A0-4331-8E31-C1A98ECD1F47}"/>
+              </a:ext>
+            </a:extLst>
+          </p:cNvPr>
+          <p:cNvPicPr>
+            <a:picLocks noChangeAspect="1"/>
+          </p:cNvPicPr>
+          <p:nvPr/>
+        </p:nvPicPr>
+        <p:blipFill>
+          <a:blip r:embed="rId2"/>
+          <a:stretch>
+            <a:fillRect/>
+          </a:stretch>
+        </p:blipFill>
+        <p:spPr>
+          <a:xfrm>
+            <a:off x="8320919" y="1455491"/>
+            <a:ext cx="3190875" cy="1562100"/>
+          </a:xfrm>
+          <a:prstGeom prst="rect">
+            <a:avLst/>
+          </a:prstGeom>
+        </p:spPr>
+      </p:pic>
     </p:spTree>
     <p:extLst>
       <p:ext uri="{BB962C8B-B14F-4D97-AF65-F5344CB8AC3E}">
@@ -3691,7 +3587,7 @@
           <a:p>
             <a:r>
               <a:rPr lang="en-US" dirty="0"/>
-              <a:t>RESTful APIs Cont’d</a:t>
+              <a:t>SOAP Cont’d</a:t>
             </a:r>
           </a:p>
         </p:txBody>
@@ -3921,11 +3817,7 @@
             </a:pPr>
             <a:r>
               <a:rPr lang="en-US" b="1" dirty="0"/>
-              <a:t>GET -</a:t>
-            </a:r>
-            <a:r>
-              <a:rPr lang="en-US" dirty="0"/>
-              <a:t> Get a representation of this resource</a:t>
+              <a:t>Headers in SOAP</a:t>
             </a:r>
           </a:p>
           <a:p>
@@ -3937,12 +3829,8 @@
               <a:buChar char="-"/>
             </a:pPr>
             <a:r>
-              <a:rPr lang="en-US" b="1" dirty="0"/>
-              <a:t>DELETE</a:t>
-            </a:r>
-            <a:r>
               <a:rPr lang="en-US" dirty="0"/>
-              <a:t> – Destroy this resource</a:t>
+              <a:t>A SOAP header contains management and control information, such as some sort of unique identifier</a:t>
             </a:r>
           </a:p>
           <a:p>
@@ -3954,12 +3842,8 @@
               <a:buChar char="-"/>
             </a:pPr>
             <a:r>
-              <a:rPr lang="en-US" b="1" dirty="0"/>
-              <a:t>POST</a:t>
-            </a:r>
-            <a:r>
               <a:rPr lang="en-US" dirty="0"/>
-              <a:t> - Create a new resource underneath this one, based on the given representation</a:t>
+              <a:t>A SOAP header is not required, but if one exists, only one can exist, it must also exist before the SOAP body</a:t>
             </a:r>
           </a:p>
           <a:p>
@@ -3971,12 +3855,8 @@
               <a:buChar char="-"/>
             </a:pPr>
             <a:r>
-              <a:rPr lang="en-US" b="1" dirty="0"/>
-              <a:t>PUT</a:t>
-            </a:r>
-            <a:r>
               <a:rPr lang="en-US" dirty="0"/>
-              <a:t> - Replace this state of this resource with the one described in the given representation </a:t>
+              <a:t>The header is designed to contain meta-information</a:t>
             </a:r>
           </a:p>
           <a:p>
@@ -3989,11 +3869,7 @@
             </a:pPr>
             <a:r>
               <a:rPr lang="en-US" b="1" dirty="0"/>
-              <a:t>HEAD</a:t>
-            </a:r>
-            <a:r>
-              <a:rPr lang="en-US" dirty="0"/>
-              <a:t> - Get the headers that would be sent along with a representation of this resource, but not the representation itself</a:t>
+              <a:t>Body in SOAP</a:t>
             </a:r>
           </a:p>
           <a:p>
@@ -4005,12 +3881,8 @@
               <a:buChar char="-"/>
             </a:pPr>
             <a:r>
-              <a:rPr lang="en-US" b="1" dirty="0"/>
-              <a:t>OPTIONS</a:t>
-            </a:r>
-            <a:r>
               <a:rPr lang="en-US" dirty="0"/>
-              <a:t> - Discover which HTTP methods this resource responds to</a:t>
+              <a:t>Every Envelope element must contain exactly one Body element</a:t>
             </a:r>
           </a:p>
           <a:p>
@@ -4022,12 +3894,8 @@
               <a:buChar char="-"/>
             </a:pPr>
             <a:r>
-              <a:rPr lang="en-US" b="1" dirty="0"/>
-              <a:t>PATCH</a:t>
-            </a:r>
-            <a:r>
               <a:rPr lang="en-US" dirty="0"/>
-              <a:t> - Modify part of the state of this resource based on the given representation. If some bit of resource state is not mentioned in the given representation, leave it alone. PATCH is like PUT, but allows for fine-grained changes to resource state</a:t>
+              <a:t>The SOAP body is where information to be conveyed is recorded</a:t>
             </a:r>
           </a:p>
           <a:p>
@@ -4039,14 +3907,19 @@
               <a:buChar char="-"/>
             </a:pPr>
             <a:r>
-              <a:rPr lang="en-US" b="1" dirty="0"/>
-              <a:t>LINK-</a:t>
-            </a:r>
-            <a:r>
               <a:rPr lang="en-US" dirty="0"/>
-              <a:t> Connect some other resource to this one</a:t>
-            </a:r>
-            <a:endParaRPr lang="en-US" b="1" dirty="0"/>
+              <a:t>The body contains call and response information</a:t>
+            </a:r>
+          </a:p>
+          <a:p>
+            <a:pPr>
+              <a:spcAft>
+                <a:spcPts val="2000"/>
+              </a:spcAft>
+              <a:buFontTx/>
+              <a:buChar char="-"/>
+            </a:pPr>
+            <a:endParaRPr lang="en-US" dirty="0"/>
           </a:p>
         </p:txBody>
       </p:sp>
@@ -4107,7 +3980,7 @@
           <a:p>
             <a:r>
               <a:rPr lang="en-US" dirty="0"/>
-              <a:t>RESTful APIs Cont’d</a:t>
+              <a:t>SOAP Cont’d</a:t>
             </a:r>
           </a:p>
         </p:txBody>
@@ -4342,36 +4215,6 @@
           </a:p>
         </p:txBody>
       </p:sp>
-      <p:pic>
-        <p:nvPicPr>
-          <p:cNvPr id="5" name="Picture 4"/>
-          <p:cNvPicPr>
-            <a:picLocks noChangeAspect="1"/>
-          </p:cNvPicPr>
-          <p:nvPr/>
-        </p:nvPicPr>
-        <p:blipFill>
-          <a:blip r:embed="rId2">
-            <a:extLst>
-              <a:ext uri="{28A0092B-C50C-407E-A947-70E740481C1C}">
-                <a14:useLocalDpi xmlns:a14="http://schemas.microsoft.com/office/drawing/2010/main" val="0"/>
-              </a:ext>
-            </a:extLst>
-          </a:blip>
-          <a:stretch>
-            <a:fillRect/>
-          </a:stretch>
-        </p:blipFill>
-        <p:spPr>
-          <a:xfrm>
-            <a:off x="3545457" y="1455491"/>
-            <a:ext cx="8022566" cy="4607958"/>
-          </a:xfrm>
-          <a:prstGeom prst="rect">
-            <a:avLst/>
-          </a:prstGeom>
-        </p:spPr>
-      </p:pic>
       <p:sp>
         <p:nvSpPr>
           <p:cNvPr id="6" name="Content Placeholder 17"/>
@@ -4383,7 +4226,7 @@
         <p:spPr>
           <a:xfrm>
             <a:off x="694009" y="1455491"/>
-            <a:ext cx="2789024" cy="4760358"/>
+            <a:ext cx="10956382" cy="4760358"/>
           </a:xfrm>
           <a:prstGeom prst="rect">
             <a:avLst/>
@@ -4596,15 +4439,22 @@
               <a:buChar char="-"/>
             </a:pPr>
             <a:r>
-              <a:rPr lang="en-US" dirty="0">
+              <a:rPr lang="en-US" sz="1400" b="1" dirty="0">
                 <a:latin typeface="Segoe UI" panose="020B0502040204020203" pitchFamily="34" charset="0"/>
                 <a:cs typeface="Segoe UI" panose="020B0502040204020203" pitchFamily="34" charset="0"/>
               </a:rPr>
-              <a:t>Website communications</a:t>
-            </a:r>
-          </a:p>
-          <a:p>
-            <a:pPr lvl="1">
+              <a:t>Faults:</a:t>
+            </a:r>
+            <a:r>
+              <a:rPr lang="en-US" sz="1400" dirty="0">
+                <a:latin typeface="Segoe UI" panose="020B0502040204020203" pitchFamily="34" charset="0"/>
+                <a:cs typeface="Segoe UI" panose="020B0502040204020203" pitchFamily="34" charset="0"/>
+              </a:rPr>
+              <a:t> If an error occurs during processing, the response to a SOAP message is a SOAP fault element in the body of the message, and the fault is returned to the sender of the SOAP message</a:t>
+            </a:r>
+          </a:p>
+          <a:p>
+            <a:pPr>
               <a:spcAft>
                 <a:spcPts val="2000"/>
               </a:spcAft>
@@ -4612,12 +4462,16 @@
               <a:buChar char="-"/>
             </a:pPr>
             <a:r>
-              <a:rPr lang="en-US" dirty="0"/>
-              <a:t>Issue a GET to the home page</a:t>
-            </a:r>
-          </a:p>
-          <a:p>
-            <a:pPr lvl="1">
+              <a:rPr lang="en-US" sz="1400" dirty="0"/>
+              <a:t>The SOAP fault mechanism returns specific information about the error, including a predefined code, a description, and the address of the SOAP processor that generated the fault</a:t>
+            </a:r>
+            <a:endParaRPr lang="en-US" sz="1600" dirty="0">
+              <a:latin typeface="Segoe UI" panose="020B0502040204020203" pitchFamily="34" charset="0"/>
+              <a:cs typeface="Segoe UI" panose="020B0502040204020203" pitchFamily="34" charset="0"/>
+            </a:endParaRPr>
+          </a:p>
+          <a:p>
+            <a:pPr>
               <a:spcAft>
                 <a:spcPts val="2000"/>
               </a:spcAft>
@@ -4625,9 +4479,89 @@
               <a:buChar char="-"/>
             </a:pPr>
             <a:r>
-              <a:rPr lang="en-US" dirty="0"/>
-              <a:t>Issue a GET to the messages list</a:t>
-            </a:r>
+              <a:rPr lang="en-US" sz="1400" b="1" dirty="0"/>
+              <a:t>SOAP Fault Codes:</a:t>
+            </a:r>
+          </a:p>
+          <a:p>
+            <a:pPr lvl="1"/>
+            <a:r>
+              <a:rPr lang="en-US" sz="1400" b="1" dirty="0" err="1"/>
+              <a:t>SOAP-ENV:VersionMismatch</a:t>
+            </a:r>
+            <a:r>
+              <a:rPr lang="en-US" sz="1400" b="1" dirty="0"/>
+              <a:t> - </a:t>
+            </a:r>
+            <a:r>
+              <a:rPr lang="en-US" sz="1400" dirty="0"/>
+              <a:t>Found an invalid namespace for the SOAP Envelope element.</a:t>
+            </a:r>
+          </a:p>
+          <a:p>
+            <a:pPr lvl="1"/>
+            <a:r>
+              <a:rPr lang="en-US" sz="1400" b="1" dirty="0" err="1"/>
+              <a:t>SOAP-ENV:MustUnderstand</a:t>
+            </a:r>
+            <a:r>
+              <a:rPr lang="en-US" sz="1400" b="1" dirty="0"/>
+              <a:t> - </a:t>
+            </a:r>
+            <a:r>
+              <a:rPr lang="en-US" sz="1400" dirty="0"/>
+              <a:t>An immediate child element of the Header element, with the must understand attribute set to "1", was not understood.</a:t>
+            </a:r>
+          </a:p>
+          <a:p>
+            <a:pPr lvl="1"/>
+            <a:r>
+              <a:rPr lang="en-US" sz="1400" b="1" dirty="0" err="1"/>
+              <a:t>SOAP-ENV:Client</a:t>
+            </a:r>
+            <a:r>
+              <a:rPr lang="en-US" sz="1400" b="1" dirty="0"/>
+              <a:t> - </a:t>
+            </a:r>
+            <a:r>
+              <a:rPr lang="en-US" sz="1400" dirty="0"/>
+              <a:t>The message was incorrectly formed or contained incorrect information.</a:t>
+            </a:r>
+          </a:p>
+          <a:p>
+            <a:pPr lvl="1"/>
+            <a:r>
+              <a:rPr lang="en-US" sz="1400" b="1" dirty="0" err="1"/>
+              <a:t>SOAP-ENV:Server</a:t>
+            </a:r>
+            <a:r>
+              <a:rPr lang="en-US" sz="1400" b="1" dirty="0"/>
+              <a:t> - </a:t>
+            </a:r>
+            <a:r>
+              <a:rPr lang="en-US" sz="1400" dirty="0"/>
+              <a:t>There was a problem with the server, so the message could not proceed.</a:t>
+            </a:r>
+          </a:p>
+          <a:p>
+            <a:pPr lvl="1"/>
+            <a:endParaRPr lang="en-US" dirty="0"/>
+          </a:p>
+          <a:p>
+            <a:pPr lvl="1"/>
+            <a:endParaRPr lang="en-US" dirty="0"/>
+          </a:p>
+          <a:p>
+            <a:pPr lvl="1"/>
+            <a:endParaRPr lang="en-US" dirty="0"/>
+          </a:p>
+          <a:p>
+            <a:pPr lvl="1"/>
+            <a:endParaRPr lang="en-US" dirty="0"/>
+          </a:p>
+          <a:p>
+            <a:pPr lvl="1"/>
+            <a:endParaRPr lang="en-US" dirty="0"/>
           </a:p>
           <a:p>
             <a:pPr lvl="1">
@@ -4637,49 +4571,7 @@
               <a:buFontTx/>
               <a:buChar char="-"/>
             </a:pPr>
-            <a:r>
-              <a:rPr lang="en-US" dirty="0"/>
-              <a:t>The message list page state can be changed by</a:t>
-            </a:r>
-          </a:p>
-          <a:p>
-            <a:pPr lvl="2">
-              <a:spcAft>
-                <a:spcPts val="2000"/>
-              </a:spcAft>
-              <a:buFontTx/>
-              <a:buChar char="-"/>
-            </a:pPr>
-            <a:r>
-              <a:rPr lang="en-US" dirty="0"/>
-              <a:t>Inserting data</a:t>
-            </a:r>
-          </a:p>
-          <a:p>
-            <a:pPr lvl="2">
-              <a:spcAft>
-                <a:spcPts val="2000"/>
-              </a:spcAft>
-              <a:buFontTx/>
-              <a:buChar char="-"/>
-            </a:pPr>
-            <a:r>
-              <a:rPr lang="en-US" dirty="0"/>
-              <a:t>Updating data</a:t>
-            </a:r>
-          </a:p>
-          <a:p>
-            <a:pPr lvl="2">
-              <a:spcAft>
-                <a:spcPts val="2000"/>
-              </a:spcAft>
-              <a:buFontTx/>
-              <a:buChar char="-"/>
-            </a:pPr>
-            <a:r>
-              <a:rPr lang="en-US" dirty="0"/>
-              <a:t>Deleting data</a:t>
-            </a:r>
+            <a:endParaRPr lang="en-US" sz="1400" dirty="0"/>
           </a:p>
         </p:txBody>
       </p:sp>
@@ -4740,7 +4632,7 @@
           <a:p>
             <a:r>
               <a:rPr lang="en-US" dirty="0"/>
-              <a:t>RESTful APIs Cont’d</a:t>
+              <a:t>SOAP Cont’d</a:t>
             </a:r>
           </a:p>
         </p:txBody>
@@ -4969,15 +4861,12 @@
               <a:buChar char="-"/>
             </a:pPr>
             <a:r>
-              <a:rPr lang="en-US" dirty="0">
-                <a:latin typeface="Segoe UI" panose="020B0502040204020203" pitchFamily="34" charset="0"/>
-                <a:cs typeface="Segoe UI" panose="020B0502040204020203" pitchFamily="34" charset="0"/>
-              </a:rPr>
-              <a:t>In terms of web services, there are not many options.  In fact I have only come across two:</a:t>
-            </a:r>
-          </a:p>
-          <a:p>
-            <a:pPr lvl="1">
+              <a:rPr lang="en-US" sz="1400" dirty="0"/>
+              <a:t>Web Services Description Language (WSDL) identifies the constituent pieces of a SOAP packet and describes how they’re arranged within the packet</a:t>
+            </a:r>
+          </a:p>
+          <a:p>
+            <a:pPr>
               <a:spcAft>
                 <a:spcPts val="2000"/>
               </a:spcAft>
@@ -4985,15 +4874,12 @@
               <a:buChar char="-"/>
             </a:pPr>
             <a:r>
-              <a:rPr lang="en-US" dirty="0">
-                <a:latin typeface="Segoe UI" panose="020B0502040204020203" pitchFamily="34" charset="0"/>
-                <a:cs typeface="Segoe UI" panose="020B0502040204020203" pitchFamily="34" charset="0"/>
-              </a:rPr>
-              <a:t>SOAP (Simple Object Access Protocol)</a:t>
-            </a:r>
-          </a:p>
-          <a:p>
-            <a:pPr lvl="2">
+              <a:rPr lang="en-US" sz="1400" dirty="0"/>
+              <a:t>WSDL information is processed algorithmically just like it’s counterpart</a:t>
+            </a:r>
+          </a:p>
+          <a:p>
+            <a:pPr>
               <a:spcAft>
                 <a:spcPts val="2000"/>
               </a:spcAft>
@@ -5001,13 +4887,9 @@
               <a:buChar char="-"/>
             </a:pPr>
             <a:r>
-              <a:rPr lang="en-US" dirty="0"/>
-              <a:t>SOAP is known as a transport-independent messaging protocol. SOAP is based on transferring XML data as SOAP Messages. Each message has something which is known as an XML document. Only the structure of the XML document follows a specific pattern, but not the content. The best part of Web services and SOAP is that its all sent via HTTP, which is the standard web protocol.</a:t>
-            </a:r>
-            <a:endParaRPr lang="en-US" dirty="0">
-              <a:latin typeface="Segoe UI" panose="020B0502040204020203" pitchFamily="34" charset="0"/>
-              <a:cs typeface="Segoe UI" panose="020B0502040204020203" pitchFamily="34" charset="0"/>
-            </a:endParaRPr>
+              <a:rPr lang="en-US" sz="1400" dirty="0"/>
+              <a:t>WSDL describes three other use models for the SOAP protocol</a:t>
+            </a:r>
           </a:p>
           <a:p>
             <a:pPr lvl="1">
@@ -5018,23 +4900,12 @@
               <a:buChar char="-"/>
             </a:pPr>
             <a:r>
-              <a:rPr lang="en-US" dirty="0">
-                <a:latin typeface="Segoe UI" panose="020B0502040204020203" pitchFamily="34" charset="0"/>
-                <a:cs typeface="Segoe UI" panose="020B0502040204020203" pitchFamily="34" charset="0"/>
-              </a:rPr>
-              <a:t>REST (</a:t>
-            </a:r>
-            <a:r>
-              <a:rPr lang="en-US" dirty="0"/>
-              <a:t>Representational State Transfer)</a:t>
-            </a:r>
-            <a:endParaRPr lang="en-US" dirty="0">
-              <a:latin typeface="Segoe UI" panose="020B0502040204020203" pitchFamily="34" charset="0"/>
-              <a:cs typeface="Segoe UI" panose="020B0502040204020203" pitchFamily="34" charset="0"/>
-            </a:endParaRPr>
-          </a:p>
-          <a:p>
-            <a:pPr lvl="2">
+              <a:rPr lang="en-US" sz="1400" dirty="0"/>
+              <a:t>One-way SOAP – the client sends information to a server without regard to a response</a:t>
+            </a:r>
+          </a:p>
+          <a:p>
+            <a:pPr lvl="1">
               <a:spcAft>
                 <a:spcPts val="2000"/>
               </a:spcAft>
@@ -5042,20 +4913,12 @@
               <a:buChar char="-"/>
             </a:pPr>
             <a:r>
-              <a:rPr lang="en-US" dirty="0"/>
-              <a:t>Designed specifically for working with components such as media components, files, or even objects on a particular hardware device. Any web service that is defined on the principles of REST can be called a </a:t>
-            </a:r>
-            <a:r>
-              <a:rPr lang="en-US" dirty="0" err="1"/>
-              <a:t>RestFul</a:t>
-            </a:r>
-            <a:r>
-              <a:rPr lang="en-US" dirty="0"/>
-              <a:t> web service. A Restful service would use the normal HTTP verbs of GET, POST, PUT and DELETE for working with the required components.</a:t>
-            </a:r>
-          </a:p>
-          <a:p>
-            <a:pPr>
+              <a:rPr lang="en-US" sz="1400" dirty="0"/>
+              <a:t>Solicit-response – the server requests information from the client</a:t>
+            </a:r>
+          </a:p>
+          <a:p>
+            <a:pPr lvl="1">
               <a:spcAft>
                 <a:spcPts val="2000"/>
               </a:spcAft>
@@ -5063,8 +4926,8 @@
               <a:buChar char="-"/>
             </a:pPr>
             <a:r>
-              <a:rPr lang="en-US" dirty="0"/>
-              <a:t>Which one is right for you depends entirely on your application needs</a:t>
+              <a:rPr lang="en-US" sz="1400" dirty="0"/>
+              <a:t>Notification – the server sends information to the client without regard to a response</a:t>
             </a:r>
           </a:p>
         </p:txBody>
@@ -5126,7 +4989,7 @@
           <a:p>
             <a:r>
               <a:rPr lang="en-US" dirty="0"/>
-              <a:t>RESTful APIs Cont’d</a:t>
+              <a:t>SOAP Cont’d</a:t>
             </a:r>
           </a:p>
         </p:txBody>
@@ -5141,8 +5004,8 @@
         </p:nvSpPr>
         <p:spPr>
           <a:xfrm>
-            <a:off x="541608" y="1455490"/>
-            <a:ext cx="11121147" cy="4995185"/>
+            <a:off x="541609" y="1455491"/>
+            <a:ext cx="9374748" cy="4607958"/>
           </a:xfrm>
           <a:prstGeom prst="rect">
             <a:avLst/>
@@ -5150,7 +5013,7 @@
         </p:spPr>
         <p:txBody>
           <a:bodyPr vert="horz" lIns="91440" tIns="45720" rIns="91440" bIns="45720" rtlCol="0">
-            <a:normAutofit fontScale="92500"/>
+            <a:normAutofit/>
           </a:bodyPr>
           <a:lstStyle>
             <a:lvl1pPr marL="228600" indent="-228600" algn="l" defTabSz="914400" rtl="0" eaLnBrk="1" latinLnBrk="0" hangingPunct="1">
@@ -5355,8 +5218,8 @@
               <a:buChar char="-"/>
             </a:pPr>
             <a:r>
-              <a:rPr lang="en-US" dirty="0"/>
-              <a:t>Some advantages of using REST over SOAP are</a:t>
+              <a:rPr lang="en-US" sz="1400" b="1" dirty="0"/>
+              <a:t>Configuration for SOAP</a:t>
             </a:r>
           </a:p>
           <a:p>
@@ -5368,12 +5231,8 @@
               <a:buChar char="-"/>
             </a:pPr>
             <a:r>
-              <a:rPr lang="en-US" b="1" dirty="0"/>
-              <a:t>Client-Server</a:t>
-            </a:r>
-            <a:r>
-              <a:rPr lang="en-US" dirty="0"/>
-              <a:t> - This constraint operates on the concept that the client and the server should be separate from each other and allowed to evolve individually.</a:t>
+              <a:rPr lang="en-US" sz="1400" dirty="0"/>
+              <a:t>SOAP can be consumed by a number of different resources</a:t>
             </a:r>
           </a:p>
           <a:p>
@@ -5385,16 +5244,12 @@
               <a:buChar char="-"/>
             </a:pPr>
             <a:r>
-              <a:rPr lang="en-US" b="1" dirty="0"/>
-              <a:t>Limited resources and bandwidth</a:t>
-            </a:r>
-            <a:r>
-              <a:rPr lang="en-US" dirty="0"/>
-              <a:t> – Since SOAP messages are heavier in content and consume a far greater bandwidth, REST should be used in instances where network bandwidth is a constraint. This low use of resources is beneficial to a low latency server.</a:t>
-            </a:r>
-          </a:p>
-          <a:p>
-            <a:pPr>
+              <a:rPr lang="en-US" sz="1400" dirty="0"/>
+              <a:t>In .NET, a web reference can be added to the WSDL file stating how the connection will communicate with the SOAP web service</a:t>
+            </a:r>
+          </a:p>
+          <a:p>
+            <a:pPr lvl="1">
               <a:spcAft>
                 <a:spcPts val="2000"/>
               </a:spcAft>
@@ -5402,12 +5257,8 @@
               <a:buChar char="-"/>
             </a:pPr>
             <a:r>
-              <a:rPr lang="en-US" b="1" dirty="0"/>
-              <a:t>Statelessness</a:t>
-            </a:r>
-            <a:r>
-              <a:rPr lang="en-US" dirty="0"/>
-              <a:t> – If there is no need to maintain a state of information from one request to another then REST should be used.</a:t>
+              <a:rPr lang="en-US" sz="1400" dirty="0"/>
+              <a:t>End points must be set up in the web configuration file for consuming the service</a:t>
             </a:r>
           </a:p>
           <a:p>
@@ -5419,16 +5270,12 @@
               <a:buChar char="-"/>
             </a:pPr>
             <a:r>
-              <a:rPr lang="en-US" b="1" dirty="0"/>
-              <a:t>Caching </a:t>
-            </a:r>
-            <a:r>
-              <a:rPr lang="en-US" dirty="0"/>
-              <a:t>– If there is a need to cache a lot of requests then REST is the perfect solution. At times, clients could request for the same resource multiple times. This can increase the number of requests which are sent to the server. By implementing a cache, the most frequent queries results can be stored in an intermediate location. </a:t>
-            </a:r>
-          </a:p>
-          <a:p>
-            <a:pPr>
+              <a:rPr lang="en-US" sz="1400" dirty="0"/>
+              <a:t>SOAP UI, makes it easy to create a project and add a reference to the WSDL file</a:t>
+            </a:r>
+          </a:p>
+          <a:p>
+            <a:pPr lvl="1">
               <a:spcAft>
                 <a:spcPts val="2000"/>
               </a:spcAft>
@@ -5436,14 +5283,289 @@
               <a:buChar char="-"/>
             </a:pPr>
             <a:r>
-              <a:rPr lang="en-US" b="1" dirty="0"/>
-              <a:t>Ease of coding </a:t>
-            </a:r>
+              <a:rPr lang="en-US" sz="1400" dirty="0"/>
+              <a:t>Upon consumption of the service, a request can be made where custom data parameters are input and a response is sent back</a:t>
+            </a:r>
+          </a:p>
+        </p:txBody>
+      </p:sp>
+    </p:spTree>
+    <p:extLst>
+      <p:ext uri="{BB962C8B-B14F-4D97-AF65-F5344CB8AC3E}">
+        <p14:creationId xmlns:p14="http://schemas.microsoft.com/office/powerpoint/2010/main" val="422822416"/>
+      </p:ext>
+    </p:extLst>
+  </p:cSld>
+  <p:clrMapOvr>
+    <a:masterClrMapping/>
+  </p:clrMapOvr>
+  <mc:AlternateContent xmlns:mc="http://schemas.openxmlformats.org/markup-compatibility/2006" xmlns:p14="http://schemas.microsoft.com/office/powerpoint/2010/main">
+    <mc:Choice Requires="p14">
+      <p:transition p14:dur="10"/>
+    </mc:Choice>
+    <mc:Fallback xmlns="">
+      <p:transition/>
+    </mc:Fallback>
+  </mc:AlternateContent>
+</p:sld>
+</file>
+
+<file path=ppt/slides/slide8.xml><?xml version="1.0" encoding="utf-8"?>
+<p:sld xmlns:a="http://schemas.openxmlformats.org/drawingml/2006/main" xmlns:r="http://schemas.openxmlformats.org/officeDocument/2006/relationships" xmlns:p="http://schemas.openxmlformats.org/presentationml/2006/main">
+  <p:cSld>
+    <p:spTree>
+      <p:nvGrpSpPr>
+        <p:cNvPr id="1" name=""/>
+        <p:cNvGrpSpPr/>
+        <p:nvPr/>
+      </p:nvGrpSpPr>
+      <p:grpSpPr>
+        <a:xfrm>
+          <a:off x="0" y="0"/>
+          <a:ext cx="0" cy="0"/>
+          <a:chOff x="0" y="0"/>
+          <a:chExt cx="0" cy="0"/>
+        </a:xfrm>
+      </p:grpSpPr>
+      <p:sp>
+        <p:nvSpPr>
+          <p:cNvPr id="4" name="Title 3"/>
+          <p:cNvSpPr>
+            <a:spLocks noGrp="1"/>
+          </p:cNvSpPr>
+          <p:nvPr>
+            <p:ph type="title"/>
+          </p:nvPr>
+        </p:nvSpPr>
+        <p:spPr/>
+        <p:txBody>
+          <a:bodyPr>
+            <a:normAutofit/>
+          </a:bodyPr>
+          <a:lstStyle/>
+          <a:p>
             <a:r>
               <a:rPr lang="en-US" dirty="0"/>
-              <a:t>– Coding REST Services and subsequent implementation is far easier than SOAP. So if a quick win solution is required for web services, then REST is the way to go.</a:t>
-            </a:r>
-          </a:p>
+              <a:t>SOAP Cont’d</a:t>
+            </a:r>
+          </a:p>
+        </p:txBody>
+      </p:sp>
+      <p:sp>
+        <p:nvSpPr>
+          <p:cNvPr id="25" name="Content Placeholder 17"/>
+          <p:cNvSpPr txBox="1">
+            <a:spLocks/>
+          </p:cNvSpPr>
+          <p:nvPr/>
+        </p:nvSpPr>
+        <p:spPr>
+          <a:xfrm>
+            <a:off x="541608" y="1404730"/>
+            <a:ext cx="11121147" cy="5340626"/>
+          </a:xfrm>
+          <a:prstGeom prst="rect">
+            <a:avLst/>
+          </a:prstGeom>
+        </p:spPr>
+        <p:txBody>
+          <a:bodyPr vert="horz" lIns="91440" tIns="45720" rIns="91440" bIns="45720" rtlCol="0">
+            <a:normAutofit/>
+          </a:bodyPr>
+          <a:lstStyle>
+            <a:lvl1pPr marL="228600" indent="-228600" algn="l" defTabSz="914400" rtl="0" eaLnBrk="1" latinLnBrk="0" hangingPunct="1">
+              <a:lnSpc>
+                <a:spcPts val="1800"/>
+              </a:lnSpc>
+              <a:spcBef>
+                <a:spcPts val="1000"/>
+              </a:spcBef>
+              <a:spcAft>
+                <a:spcPts val="1000"/>
+              </a:spcAft>
+              <a:buFont typeface="Arial" panose="020B0604020202020204" pitchFamily="34" charset="0"/>
+              <a:buChar char="•"/>
+              <a:defRPr lang="en-US" sz="1200" kern="1200" smtClean="0">
+                <a:solidFill>
+                  <a:schemeClr val="tx1">
+                    <a:lumMod val="75000"/>
+                    <a:lumOff val="25000"/>
+                  </a:schemeClr>
+                </a:solidFill>
+                <a:latin typeface="+mn-lt"/>
+                <a:ea typeface="+mn-ea"/>
+                <a:cs typeface="+mn-cs"/>
+              </a:defRPr>
+            </a:lvl1pPr>
+            <a:lvl2pPr marL="685800" indent="-228600" algn="l" defTabSz="914400" rtl="0" eaLnBrk="1" latinLnBrk="0" hangingPunct="1">
+              <a:lnSpc>
+                <a:spcPts val="1800"/>
+              </a:lnSpc>
+              <a:spcBef>
+                <a:spcPts val="1000"/>
+              </a:spcBef>
+              <a:spcAft>
+                <a:spcPts val="1000"/>
+              </a:spcAft>
+              <a:buFont typeface="Arial" panose="020B0604020202020204" pitchFamily="34" charset="0"/>
+              <a:buChar char="•"/>
+              <a:defRPr lang="en-US" sz="1200" kern="1200" smtClean="0">
+                <a:solidFill>
+                  <a:schemeClr val="tx1">
+                    <a:lumMod val="75000"/>
+                    <a:lumOff val="25000"/>
+                  </a:schemeClr>
+                </a:solidFill>
+                <a:latin typeface="+mn-lt"/>
+                <a:ea typeface="+mn-ea"/>
+                <a:cs typeface="+mn-cs"/>
+              </a:defRPr>
+            </a:lvl2pPr>
+            <a:lvl3pPr marL="1143000" indent="-228600" algn="l" defTabSz="914400" rtl="0" eaLnBrk="1" latinLnBrk="0" hangingPunct="1">
+              <a:lnSpc>
+                <a:spcPts val="1800"/>
+              </a:lnSpc>
+              <a:spcBef>
+                <a:spcPts val="1000"/>
+              </a:spcBef>
+              <a:spcAft>
+                <a:spcPts val="1000"/>
+              </a:spcAft>
+              <a:buFont typeface="Arial" panose="020B0604020202020204" pitchFamily="34" charset="0"/>
+              <a:buChar char="•"/>
+              <a:defRPr lang="en-US" sz="1200" kern="1200" smtClean="0">
+                <a:solidFill>
+                  <a:schemeClr val="tx1">
+                    <a:lumMod val="75000"/>
+                    <a:lumOff val="25000"/>
+                  </a:schemeClr>
+                </a:solidFill>
+                <a:latin typeface="+mn-lt"/>
+                <a:ea typeface="+mn-ea"/>
+                <a:cs typeface="+mn-cs"/>
+              </a:defRPr>
+            </a:lvl3pPr>
+            <a:lvl4pPr marL="1600200" indent="-228600" algn="l" defTabSz="914400" rtl="0" eaLnBrk="1" latinLnBrk="0" hangingPunct="1">
+              <a:lnSpc>
+                <a:spcPts val="1800"/>
+              </a:lnSpc>
+              <a:spcBef>
+                <a:spcPts val="1000"/>
+              </a:spcBef>
+              <a:spcAft>
+                <a:spcPts val="1000"/>
+              </a:spcAft>
+              <a:buFont typeface="Arial" panose="020B0604020202020204" pitchFamily="34" charset="0"/>
+              <a:buChar char="•"/>
+              <a:defRPr lang="en-US" sz="1200" kern="1200" smtClean="0">
+                <a:solidFill>
+                  <a:schemeClr val="tx1">
+                    <a:lumMod val="75000"/>
+                    <a:lumOff val="25000"/>
+                  </a:schemeClr>
+                </a:solidFill>
+                <a:latin typeface="+mn-lt"/>
+                <a:ea typeface="+mn-ea"/>
+                <a:cs typeface="+mn-cs"/>
+              </a:defRPr>
+            </a:lvl4pPr>
+            <a:lvl5pPr marL="2057400" indent="-228600" algn="l" defTabSz="914400" rtl="0" eaLnBrk="1" latinLnBrk="0" hangingPunct="1">
+              <a:lnSpc>
+                <a:spcPts val="1800"/>
+              </a:lnSpc>
+              <a:spcBef>
+                <a:spcPts val="1000"/>
+              </a:spcBef>
+              <a:spcAft>
+                <a:spcPts val="1000"/>
+              </a:spcAft>
+              <a:buFont typeface="Arial" panose="020B0604020202020204" pitchFamily="34" charset="0"/>
+              <a:buChar char="•"/>
+              <a:defRPr lang="en-US" sz="1200" kern="1200">
+                <a:solidFill>
+                  <a:schemeClr val="tx1">
+                    <a:lumMod val="75000"/>
+                    <a:lumOff val="25000"/>
+                  </a:schemeClr>
+                </a:solidFill>
+                <a:latin typeface="+mn-lt"/>
+                <a:ea typeface="+mn-ea"/>
+                <a:cs typeface="+mn-cs"/>
+              </a:defRPr>
+            </a:lvl5pPr>
+            <a:lvl6pPr marL="2514600" indent="-228600" algn="l" defTabSz="914400" rtl="0" eaLnBrk="1" latinLnBrk="0" hangingPunct="1">
+              <a:lnSpc>
+                <a:spcPct val="90000"/>
+              </a:lnSpc>
+              <a:spcBef>
+                <a:spcPct val="30000"/>
+              </a:spcBef>
+              <a:buFont typeface="Arial" panose="020B0604020202020204" pitchFamily="34" charset="0"/>
+              <a:buChar char="•"/>
+              <a:defRPr sz="1800" kern="1200">
+                <a:solidFill>
+                  <a:schemeClr val="tx1"/>
+                </a:solidFill>
+                <a:latin typeface="+mn-lt"/>
+                <a:ea typeface="+mn-ea"/>
+                <a:cs typeface="+mn-cs"/>
+              </a:defRPr>
+            </a:lvl6pPr>
+            <a:lvl7pPr marL="2971800" indent="-228600" algn="l" defTabSz="914400" rtl="0" eaLnBrk="1" latinLnBrk="0" hangingPunct="1">
+              <a:lnSpc>
+                <a:spcPct val="90000"/>
+              </a:lnSpc>
+              <a:spcBef>
+                <a:spcPct val="30000"/>
+              </a:spcBef>
+              <a:buFont typeface="Arial" panose="020B0604020202020204" pitchFamily="34" charset="0"/>
+              <a:buChar char="•"/>
+              <a:defRPr sz="1800" kern="1200">
+                <a:solidFill>
+                  <a:schemeClr val="tx1"/>
+                </a:solidFill>
+                <a:latin typeface="+mn-lt"/>
+                <a:ea typeface="+mn-ea"/>
+                <a:cs typeface="+mn-cs"/>
+              </a:defRPr>
+            </a:lvl7pPr>
+            <a:lvl8pPr marL="3429000" indent="-228600" algn="l" defTabSz="914400" rtl="0" eaLnBrk="1" latinLnBrk="0" hangingPunct="1">
+              <a:lnSpc>
+                <a:spcPct val="90000"/>
+              </a:lnSpc>
+              <a:spcBef>
+                <a:spcPct val="30000"/>
+              </a:spcBef>
+              <a:buFont typeface="Arial" panose="020B0604020202020204" pitchFamily="34" charset="0"/>
+              <a:buChar char="•"/>
+              <a:defRPr sz="1800" kern="1200">
+                <a:solidFill>
+                  <a:schemeClr val="tx1"/>
+                </a:solidFill>
+                <a:latin typeface="+mn-lt"/>
+                <a:ea typeface="+mn-ea"/>
+                <a:cs typeface="+mn-cs"/>
+              </a:defRPr>
+            </a:lvl8pPr>
+            <a:lvl9pPr marL="3886200" indent="-228600" algn="l" defTabSz="914400" rtl="0" eaLnBrk="1" latinLnBrk="0" hangingPunct="1">
+              <a:lnSpc>
+                <a:spcPct val="90000"/>
+              </a:lnSpc>
+              <a:spcBef>
+                <a:spcPct val="30000"/>
+              </a:spcBef>
+              <a:buFont typeface="Arial" panose="020B0604020202020204" pitchFamily="34" charset="0"/>
+              <a:buChar char="•"/>
+              <a:defRPr sz="1800" kern="1200">
+                <a:solidFill>
+                  <a:schemeClr val="tx1"/>
+                </a:solidFill>
+                <a:latin typeface="+mn-lt"/>
+                <a:ea typeface="+mn-ea"/>
+                <a:cs typeface="+mn-cs"/>
+              </a:defRPr>
+            </a:lvl9pPr>
+          </a:lstStyle>
           <a:p>
             <a:pPr>
               <a:spcAft>
@@ -5453,13 +5575,109 @@
               <a:buChar char="-"/>
             </a:pPr>
             <a:r>
-              <a:rPr lang="en-US" b="1" dirty="0"/>
-              <a:t>Layered System</a:t>
-            </a:r>
-            <a:r>
-              <a:rPr lang="en-US" dirty="0"/>
-              <a:t> - REST APIs have different layers of their architecture working together to build a hierarchy that helps create a more scalable and modular application.</a:t>
-            </a:r>
+              <a:rPr lang="en-US" sz="1400" b="1" dirty="0"/>
+              <a:t>Some advantages of using SOAP are:</a:t>
+            </a:r>
+          </a:p>
+          <a:p>
+            <a:pPr>
+              <a:spcAft>
+                <a:spcPts val="2000"/>
+              </a:spcAft>
+              <a:buFontTx/>
+              <a:buChar char="-"/>
+            </a:pPr>
+            <a:r>
+              <a:rPr lang="en-US" sz="1400" dirty="0"/>
+              <a:t>SOAP is free and uses open tech such as XML</a:t>
+            </a:r>
+          </a:p>
+          <a:p>
+            <a:pPr>
+              <a:spcAft>
+                <a:spcPts val="2000"/>
+              </a:spcAft>
+              <a:buFontTx/>
+              <a:buChar char="-"/>
+            </a:pPr>
+            <a:r>
+              <a:rPr lang="en-US" sz="1400" dirty="0"/>
+              <a:t>SOAP required no additional ports or access beyond standard web servers that exist in almost every organization</a:t>
+            </a:r>
+          </a:p>
+          <a:p>
+            <a:pPr>
+              <a:spcAft>
+                <a:spcPts val="2000"/>
+              </a:spcAft>
+              <a:buFontTx/>
+              <a:buChar char="-"/>
+            </a:pPr>
+            <a:r>
+              <a:rPr lang="en-US" sz="1400" dirty="0"/>
+              <a:t>SOAP can tunnel through firewalls without any concessions from network security personnel</a:t>
+            </a:r>
+          </a:p>
+          <a:p>
+            <a:pPr>
+              <a:spcAft>
+                <a:spcPts val="2000"/>
+              </a:spcAft>
+              <a:buFontTx/>
+              <a:buChar char="-"/>
+            </a:pPr>
+            <a:r>
+              <a:rPr lang="en-US" sz="1400" dirty="0"/>
+              <a:t>SOAP traffic is normally trusted because existing firewalls see it as web page requests rather than powerful application messages</a:t>
+            </a:r>
+          </a:p>
+          <a:p>
+            <a:pPr>
+              <a:spcAft>
+                <a:spcPts val="2000"/>
+              </a:spcAft>
+              <a:buFontTx/>
+              <a:buChar char="-"/>
+            </a:pPr>
+            <a:r>
+              <a:rPr lang="en-US" sz="1400" dirty="0"/>
+              <a:t> SOAP can be implemented in any language and can be executed in any platform</a:t>
+            </a:r>
+          </a:p>
+          <a:p>
+            <a:pPr>
+              <a:spcAft>
+                <a:spcPts val="2000"/>
+              </a:spcAft>
+              <a:buFontTx/>
+              <a:buChar char="-"/>
+            </a:pPr>
+            <a:r>
+              <a:rPr lang="en-US" sz="1400" dirty="0"/>
+              <a:t> SOAP uses HTTP protocol for transport due to which it becomes scalable</a:t>
+            </a:r>
+          </a:p>
+          <a:p>
+            <a:pPr>
+              <a:spcAft>
+                <a:spcPts val="2000"/>
+              </a:spcAft>
+              <a:buFontTx/>
+              <a:buChar char="-"/>
+            </a:pPr>
+            <a:r>
+              <a:rPr lang="en-US" sz="1400" dirty="0"/>
+              <a:t>WSDL document </a:t>
+            </a:r>
+            <a:r>
+              <a:rPr lang="en-US" sz="1600" dirty="0"/>
+              <a:t>provides</a:t>
+            </a:r>
+            <a:r>
+              <a:rPr lang="en-US" sz="1400" dirty="0"/>
+              <a:t> contract and technical details of the web services for client applications without exposing the underlying implementation technologies</a:t>
+            </a:r>
+            <a:endParaRPr lang="en-US" sz="1600" dirty="0"/>
           </a:p>
         </p:txBody>
       </p:sp>
@@ -5484,7 +5702,7 @@
 </p:sld>
 </file>
 
-<file path=ppt/slides/slide8.xml><?xml version="1.0" encoding="utf-8"?>
+<file path=ppt/slides/slide9.xml><?xml version="1.0" encoding="utf-8"?>
 <p:sld xmlns:a="http://schemas.openxmlformats.org/drawingml/2006/main" xmlns:r="http://schemas.openxmlformats.org/officeDocument/2006/relationships" xmlns:p="http://schemas.openxmlformats.org/presentationml/2006/main">
   <p:cSld>
     <p:bg>
@@ -5525,7 +5743,7 @@
           <a:p>
             <a:r>
               <a:rPr lang="en-US" dirty="0"/>
-              <a:t>RESTful APIs Cont’d</a:t>
+              <a:t>SOAP Cont’d</a:t>
             </a:r>
           </a:p>
         </p:txBody>
@@ -5540,8 +5758,8 @@
         </p:nvSpPr>
         <p:spPr>
           <a:xfrm>
-            <a:off x="541609" y="1455490"/>
-            <a:ext cx="9374748" cy="4878807"/>
+            <a:off x="521206" y="1375977"/>
+            <a:ext cx="11047941" cy="5183849"/>
           </a:xfrm>
           <a:prstGeom prst="rect">
             <a:avLst/>
@@ -5760,8 +5978,8 @@
               <a:buChar char="-"/>
             </a:pPr>
             <a:r>
-              <a:rPr lang="en-US" sz="1100" dirty="0"/>
-              <a:t>Some disadvantages to REST are:</a:t>
+              <a:rPr lang="en-US" sz="1400" b="1" dirty="0"/>
+              <a:t>Some disadvantages of using SOAP are:</a:t>
             </a:r>
           </a:p>
           <a:p>
@@ -5779,14 +5997,9 @@
               <a:buChar char="-"/>
             </a:pPr>
             <a:r>
-              <a:rPr lang="en-US" sz="1100" b="1" dirty="0"/>
-              <a:t>Client/Server </a:t>
-            </a:r>
-            <a:r>
-              <a:rPr lang="en-US" sz="1100" dirty="0"/>
-              <a:t>– This can be a double edged sword. Since the business logic is decoupled from the presentation, one can be changed without impacting the other, which can impose negligible latency</a:t>
-            </a:r>
-            <a:endParaRPr lang="en-US" sz="1100" b="1" dirty="0"/>
+              <a:rPr lang="en-US" sz="1400" dirty="0"/>
+              <a:t>Each web service connection potentially opens the organization to security threats</a:t>
+            </a:r>
           </a:p>
           <a:p>
             <a:pPr>
@@ -5803,12 +6016,8 @@
               <a:buChar char="-"/>
             </a:pPr>
             <a:r>
-              <a:rPr lang="en-US" sz="1100" b="1" dirty="0"/>
-              <a:t>Asynchronous processing and subsequent invocation</a:t>
-            </a:r>
-            <a:r>
-              <a:rPr lang="en-US" sz="1100" dirty="0"/>
-              <a:t> – if there is a requirement that the client needs a guaranteed level of reliability and security then the new SOAP standard of SOAP 1.2 provides a lot of additional features, especially when it comes to security. REST struggles to provide this.</a:t>
+              <a:rPr lang="en-US" sz="1400" dirty="0"/>
+              <a:t>Hackers can gain unauthorized access to internal systems</a:t>
             </a:r>
           </a:p>
           <a:p>
@@ -5826,16 +6035,12 @@
               <a:buChar char="-"/>
             </a:pPr>
             <a:r>
-              <a:rPr lang="en-US" sz="1100" b="1" dirty="0"/>
-              <a:t>Formal means of communication</a:t>
-            </a:r>
-            <a:r>
-              <a:rPr lang="en-US" sz="1100" dirty="0"/>
-              <a:t> – if both the client and server have an agreement on the exchange format then SOAP 1.2 gives the rigid specifications for this type of interaction where REST does not have this definition.</a:t>
-            </a:r>
-          </a:p>
-          <a:p>
-            <a:pPr lvl="1">
+              <a:rPr lang="en-US" sz="1400" dirty="0"/>
+              <a:t>Firewalls may filter HTTP traffic to such a degree, that SOAP functionality would be rendered useless</a:t>
+            </a:r>
+          </a:p>
+          <a:p>
+            <a:pPr>
               <a:lnSpc>
                 <a:spcPts val="1100"/>
               </a:lnSpc>
@@ -5849,8 +6054,8 @@
               <a:buChar char="-"/>
             </a:pPr>
             <a:r>
-              <a:rPr lang="en-US" sz="1100" dirty="0"/>
-              <a:t>Reference files make it easier for clients &amp; developers to know what services they are consuming. SOAP offers the WSDL file.</a:t>
+              <a:rPr lang="en-US" sz="1400" dirty="0"/>
+              <a:t>SOAP uses the XML format which needs to be parsed and is lengthier too which makes SOAP slow</a:t>
             </a:r>
           </a:p>
           <a:p>
@@ -5868,24 +6073,8 @@
               <a:buChar char="-"/>
             </a:pPr>
             <a:r>
-              <a:rPr lang="en-US" sz="1100" b="1" dirty="0" err="1"/>
-              <a:t>Stateful</a:t>
-            </a:r>
-            <a:r>
-              <a:rPr lang="en-US" sz="1100" b="1" dirty="0"/>
-              <a:t> operations – </a:t>
-            </a:r>
-            <a:r>
-              <a:rPr lang="en-US" sz="1100" dirty="0"/>
-              <a:t>if</a:t>
-            </a:r>
-            <a:r>
-              <a:rPr lang="en-US" sz="1100" b="1" dirty="0"/>
-              <a:t> </a:t>
-            </a:r>
-            <a:r>
-              <a:rPr lang="en-US" sz="1100" dirty="0"/>
-              <a:t>the application has a requirement that state needs to be maintained from one request to another, then the SOAP 1.2 standard provides the WS* structure to support such requirements.</a:t>
+              <a:rPr lang="en-US" sz="1400" dirty="0"/>
+              <a:t>SOAP depends on WSDL and does not have any standardized mechanism for dynamic discovery of the services</a:t>
             </a:r>
           </a:p>
           <a:p>
@@ -5903,13 +6092,103 @@
               <a:buChar char="-"/>
             </a:pPr>
             <a:r>
-              <a:rPr lang="en-US" sz="1100" b="1" dirty="0"/>
-              <a:t>Lack of Security </a:t>
-            </a:r>
-            <a:r>
-              <a:rPr lang="en-US" sz="1100" dirty="0"/>
-              <a:t>– REST does not impose any sort of security like SOAP. This is why REST is very appropriate for public available URL's, but when it comes down to confidential data being passed between the client and the server, REST is the worst mechanism to be used for web services</a:t>
-            </a:r>
+              <a:rPr lang="en-US" sz="1400" dirty="0"/>
+              <a:t>Only XML can be used, JSON and other lightweight formats are not supported</a:t>
+            </a:r>
+          </a:p>
+          <a:p>
+            <a:pPr>
+              <a:lnSpc>
+                <a:spcPts val="1100"/>
+              </a:lnSpc>
+              <a:spcBef>
+                <a:spcPts val="1800"/>
+              </a:spcBef>
+              <a:spcAft>
+                <a:spcPts val="1800"/>
+              </a:spcAft>
+              <a:buFontTx/>
+              <a:buChar char="-"/>
+            </a:pPr>
+            <a:r>
+              <a:rPr lang="en-US" sz="1400" dirty="0"/>
+              <a:t>SOAP is based on the contract, so there is a tight coupling between client and server applications</a:t>
+            </a:r>
+          </a:p>
+          <a:p>
+            <a:pPr>
+              <a:lnSpc>
+                <a:spcPts val="1100"/>
+              </a:lnSpc>
+              <a:spcBef>
+                <a:spcPts val="1800"/>
+              </a:spcBef>
+              <a:spcAft>
+                <a:spcPts val="1800"/>
+              </a:spcAft>
+              <a:buFontTx/>
+              <a:buChar char="-"/>
+            </a:pPr>
+            <a:r>
+              <a:rPr lang="en-US" sz="1400" dirty="0"/>
+              <a:t>Anytime</a:t>
+            </a:r>
+            <a:r>
+              <a:rPr lang="en-US" dirty="0"/>
+              <a:t> </a:t>
+            </a:r>
+            <a:r>
+              <a:rPr lang="en-US" sz="1400" dirty="0"/>
+              <a:t>there is change in the server side contract, client stub classes need to be generated again</a:t>
+            </a:r>
+          </a:p>
+          <a:p>
+            <a:pPr>
+              <a:lnSpc>
+                <a:spcPts val="1100"/>
+              </a:lnSpc>
+              <a:spcBef>
+                <a:spcPts val="1800"/>
+              </a:spcBef>
+              <a:spcAft>
+                <a:spcPts val="1800"/>
+              </a:spcAft>
+              <a:buFontTx/>
+              <a:buChar char="-"/>
+            </a:pPr>
+            <a:endParaRPr lang="en-US" sz="1400" dirty="0"/>
+          </a:p>
+          <a:p>
+            <a:pPr>
+              <a:lnSpc>
+                <a:spcPts val="1100"/>
+              </a:lnSpc>
+              <a:spcBef>
+                <a:spcPts val="1800"/>
+              </a:spcBef>
+              <a:spcAft>
+                <a:spcPts val="1800"/>
+              </a:spcAft>
+              <a:buFontTx/>
+              <a:buChar char="-"/>
+            </a:pPr>
+            <a:endParaRPr lang="en-US" sz="1400" dirty="0"/>
+          </a:p>
+          <a:p>
+            <a:pPr>
+              <a:lnSpc>
+                <a:spcPts val="1100"/>
+              </a:lnSpc>
+              <a:spcBef>
+                <a:spcPts val="1800"/>
+              </a:spcBef>
+              <a:spcAft>
+                <a:spcPts val="1800"/>
+              </a:spcAft>
+              <a:buFontTx/>
+              <a:buChar char="-"/>
+            </a:pPr>
+            <a:endParaRPr lang="en-US" sz="1400" dirty="0"/>
           </a:p>
         </p:txBody>
       </p:sp>
@@ -5922,408 +6201,6 @@
   </p:cSld>
   <p:clrMapOvr>
     <a:overrideClrMapping bg1="lt1" tx1="dk1" bg2="lt2" tx2="dk2" accent1="accent1" accent2="accent2" accent3="accent3" accent4="accent4" accent5="accent5" accent6="accent6" hlink="hlink" folHlink="folHlink"/>
-  </p:clrMapOvr>
-  <mc:AlternateContent xmlns:mc="http://schemas.openxmlformats.org/markup-compatibility/2006" xmlns:p14="http://schemas.microsoft.com/office/powerpoint/2010/main">
-    <mc:Choice Requires="p14">
-      <p:transition p14:dur="10"/>
-    </mc:Choice>
-    <mc:Fallback xmlns="">
-      <p:transition/>
-    </mc:Fallback>
-  </mc:AlternateContent>
-</p:sld>
-</file>
-
-<file path=ppt/slides/slide9.xml><?xml version="1.0" encoding="utf-8"?>
-<p:sld xmlns:a="http://schemas.openxmlformats.org/drawingml/2006/main" xmlns:r="http://schemas.openxmlformats.org/officeDocument/2006/relationships" xmlns:p="http://schemas.openxmlformats.org/presentationml/2006/main">
-  <p:cSld>
-    <p:spTree>
-      <p:nvGrpSpPr>
-        <p:cNvPr id="1" name=""/>
-        <p:cNvGrpSpPr/>
-        <p:nvPr/>
-      </p:nvGrpSpPr>
-      <p:grpSpPr>
-        <a:xfrm>
-          <a:off x="0" y="0"/>
-          <a:ext cx="0" cy="0"/>
-          <a:chOff x="0" y="0"/>
-          <a:chExt cx="0" cy="0"/>
-        </a:xfrm>
-      </p:grpSpPr>
-      <p:sp>
-        <p:nvSpPr>
-          <p:cNvPr id="4" name="Title 3"/>
-          <p:cNvSpPr>
-            <a:spLocks noGrp="1"/>
-          </p:cNvSpPr>
-          <p:nvPr>
-            <p:ph type="title"/>
-          </p:nvPr>
-        </p:nvSpPr>
-        <p:spPr/>
-        <p:txBody>
-          <a:bodyPr>
-            <a:normAutofit/>
-          </a:bodyPr>
-          <a:lstStyle/>
-          <a:p>
-            <a:r>
-              <a:rPr lang="en-US" dirty="0"/>
-              <a:t>RESTful APIs Cont’d</a:t>
-            </a:r>
-          </a:p>
-        </p:txBody>
-      </p:sp>
-      <p:sp>
-        <p:nvSpPr>
-          <p:cNvPr id="25" name="Content Placeholder 17"/>
-          <p:cNvSpPr txBox="1">
-            <a:spLocks/>
-          </p:cNvSpPr>
-          <p:nvPr/>
-        </p:nvSpPr>
-        <p:spPr>
-          <a:xfrm>
-            <a:off x="541609" y="1455491"/>
-            <a:ext cx="9374748" cy="4607958"/>
-          </a:xfrm>
-          <a:prstGeom prst="rect">
-            <a:avLst/>
-          </a:prstGeom>
-        </p:spPr>
-        <p:txBody>
-          <a:bodyPr vert="horz" lIns="91440" tIns="45720" rIns="91440" bIns="45720" rtlCol="0">
-            <a:normAutofit/>
-          </a:bodyPr>
-          <a:lstStyle>
-            <a:lvl1pPr marL="228600" indent="-228600" algn="l" defTabSz="914400" rtl="0" eaLnBrk="1" latinLnBrk="0" hangingPunct="1">
-              <a:lnSpc>
-                <a:spcPts val="1800"/>
-              </a:lnSpc>
-              <a:spcBef>
-                <a:spcPts val="1000"/>
-              </a:spcBef>
-              <a:spcAft>
-                <a:spcPts val="1000"/>
-              </a:spcAft>
-              <a:buFont typeface="Arial" panose="020B0604020202020204" pitchFamily="34" charset="0"/>
-              <a:buChar char="•"/>
-              <a:defRPr lang="en-US" sz="1200" kern="1200" smtClean="0">
-                <a:solidFill>
-                  <a:schemeClr val="tx1">
-                    <a:lumMod val="75000"/>
-                    <a:lumOff val="25000"/>
-                  </a:schemeClr>
-                </a:solidFill>
-                <a:latin typeface="+mn-lt"/>
-                <a:ea typeface="+mn-ea"/>
-                <a:cs typeface="+mn-cs"/>
-              </a:defRPr>
-            </a:lvl1pPr>
-            <a:lvl2pPr marL="685800" indent="-228600" algn="l" defTabSz="914400" rtl="0" eaLnBrk="1" latinLnBrk="0" hangingPunct="1">
-              <a:lnSpc>
-                <a:spcPts val="1800"/>
-              </a:lnSpc>
-              <a:spcBef>
-                <a:spcPts val="1000"/>
-              </a:spcBef>
-              <a:spcAft>
-                <a:spcPts val="1000"/>
-              </a:spcAft>
-              <a:buFont typeface="Arial" panose="020B0604020202020204" pitchFamily="34" charset="0"/>
-              <a:buChar char="•"/>
-              <a:defRPr lang="en-US" sz="1200" kern="1200" smtClean="0">
-                <a:solidFill>
-                  <a:schemeClr val="tx1">
-                    <a:lumMod val="75000"/>
-                    <a:lumOff val="25000"/>
-                  </a:schemeClr>
-                </a:solidFill>
-                <a:latin typeface="+mn-lt"/>
-                <a:ea typeface="+mn-ea"/>
-                <a:cs typeface="+mn-cs"/>
-              </a:defRPr>
-            </a:lvl2pPr>
-            <a:lvl3pPr marL="1143000" indent="-228600" algn="l" defTabSz="914400" rtl="0" eaLnBrk="1" latinLnBrk="0" hangingPunct="1">
-              <a:lnSpc>
-                <a:spcPts val="1800"/>
-              </a:lnSpc>
-              <a:spcBef>
-                <a:spcPts val="1000"/>
-              </a:spcBef>
-              <a:spcAft>
-                <a:spcPts val="1000"/>
-              </a:spcAft>
-              <a:buFont typeface="Arial" panose="020B0604020202020204" pitchFamily="34" charset="0"/>
-              <a:buChar char="•"/>
-              <a:defRPr lang="en-US" sz="1200" kern="1200" smtClean="0">
-                <a:solidFill>
-                  <a:schemeClr val="tx1">
-                    <a:lumMod val="75000"/>
-                    <a:lumOff val="25000"/>
-                  </a:schemeClr>
-                </a:solidFill>
-                <a:latin typeface="+mn-lt"/>
-                <a:ea typeface="+mn-ea"/>
-                <a:cs typeface="+mn-cs"/>
-              </a:defRPr>
-            </a:lvl3pPr>
-            <a:lvl4pPr marL="1600200" indent="-228600" algn="l" defTabSz="914400" rtl="0" eaLnBrk="1" latinLnBrk="0" hangingPunct="1">
-              <a:lnSpc>
-                <a:spcPts val="1800"/>
-              </a:lnSpc>
-              <a:spcBef>
-                <a:spcPts val="1000"/>
-              </a:spcBef>
-              <a:spcAft>
-                <a:spcPts val="1000"/>
-              </a:spcAft>
-              <a:buFont typeface="Arial" panose="020B0604020202020204" pitchFamily="34" charset="0"/>
-              <a:buChar char="•"/>
-              <a:defRPr lang="en-US" sz="1200" kern="1200" smtClean="0">
-                <a:solidFill>
-                  <a:schemeClr val="tx1">
-                    <a:lumMod val="75000"/>
-                    <a:lumOff val="25000"/>
-                  </a:schemeClr>
-                </a:solidFill>
-                <a:latin typeface="+mn-lt"/>
-                <a:ea typeface="+mn-ea"/>
-                <a:cs typeface="+mn-cs"/>
-              </a:defRPr>
-            </a:lvl4pPr>
-            <a:lvl5pPr marL="2057400" indent="-228600" algn="l" defTabSz="914400" rtl="0" eaLnBrk="1" latinLnBrk="0" hangingPunct="1">
-              <a:lnSpc>
-                <a:spcPts val="1800"/>
-              </a:lnSpc>
-              <a:spcBef>
-                <a:spcPts val="1000"/>
-              </a:spcBef>
-              <a:spcAft>
-                <a:spcPts val="1000"/>
-              </a:spcAft>
-              <a:buFont typeface="Arial" panose="020B0604020202020204" pitchFamily="34" charset="0"/>
-              <a:buChar char="•"/>
-              <a:defRPr lang="en-US" sz="1200" kern="1200">
-                <a:solidFill>
-                  <a:schemeClr val="tx1">
-                    <a:lumMod val="75000"/>
-                    <a:lumOff val="25000"/>
-                  </a:schemeClr>
-                </a:solidFill>
-                <a:latin typeface="+mn-lt"/>
-                <a:ea typeface="+mn-ea"/>
-                <a:cs typeface="+mn-cs"/>
-              </a:defRPr>
-            </a:lvl5pPr>
-            <a:lvl6pPr marL="2514600" indent="-228600" algn="l" defTabSz="914400" rtl="0" eaLnBrk="1" latinLnBrk="0" hangingPunct="1">
-              <a:lnSpc>
-                <a:spcPct val="90000"/>
-              </a:lnSpc>
-              <a:spcBef>
-                <a:spcPct val="30000"/>
-              </a:spcBef>
-              <a:buFont typeface="Arial" panose="020B0604020202020204" pitchFamily="34" charset="0"/>
-              <a:buChar char="•"/>
-              <a:defRPr sz="1800" kern="1200">
-                <a:solidFill>
-                  <a:schemeClr val="tx1"/>
-                </a:solidFill>
-                <a:latin typeface="+mn-lt"/>
-                <a:ea typeface="+mn-ea"/>
-                <a:cs typeface="+mn-cs"/>
-              </a:defRPr>
-            </a:lvl6pPr>
-            <a:lvl7pPr marL="2971800" indent="-228600" algn="l" defTabSz="914400" rtl="0" eaLnBrk="1" latinLnBrk="0" hangingPunct="1">
-              <a:lnSpc>
-                <a:spcPct val="90000"/>
-              </a:lnSpc>
-              <a:spcBef>
-                <a:spcPct val="30000"/>
-              </a:spcBef>
-              <a:buFont typeface="Arial" panose="020B0604020202020204" pitchFamily="34" charset="0"/>
-              <a:buChar char="•"/>
-              <a:defRPr sz="1800" kern="1200">
-                <a:solidFill>
-                  <a:schemeClr val="tx1"/>
-                </a:solidFill>
-                <a:latin typeface="+mn-lt"/>
-                <a:ea typeface="+mn-ea"/>
-                <a:cs typeface="+mn-cs"/>
-              </a:defRPr>
-            </a:lvl7pPr>
-            <a:lvl8pPr marL="3429000" indent="-228600" algn="l" defTabSz="914400" rtl="0" eaLnBrk="1" latinLnBrk="0" hangingPunct="1">
-              <a:lnSpc>
-                <a:spcPct val="90000"/>
-              </a:lnSpc>
-              <a:spcBef>
-                <a:spcPct val="30000"/>
-              </a:spcBef>
-              <a:buFont typeface="Arial" panose="020B0604020202020204" pitchFamily="34" charset="0"/>
-              <a:buChar char="•"/>
-              <a:defRPr sz="1800" kern="1200">
-                <a:solidFill>
-                  <a:schemeClr val="tx1"/>
-                </a:solidFill>
-                <a:latin typeface="+mn-lt"/>
-                <a:ea typeface="+mn-ea"/>
-                <a:cs typeface="+mn-cs"/>
-              </a:defRPr>
-            </a:lvl8pPr>
-            <a:lvl9pPr marL="3886200" indent="-228600" algn="l" defTabSz="914400" rtl="0" eaLnBrk="1" latinLnBrk="0" hangingPunct="1">
-              <a:lnSpc>
-                <a:spcPct val="90000"/>
-              </a:lnSpc>
-              <a:spcBef>
-                <a:spcPct val="30000"/>
-              </a:spcBef>
-              <a:buFont typeface="Arial" panose="020B0604020202020204" pitchFamily="34" charset="0"/>
-              <a:buChar char="•"/>
-              <a:defRPr sz="1800" kern="1200">
-                <a:solidFill>
-                  <a:schemeClr val="tx1"/>
-                </a:solidFill>
-                <a:latin typeface="+mn-lt"/>
-                <a:ea typeface="+mn-ea"/>
-                <a:cs typeface="+mn-cs"/>
-              </a:defRPr>
-            </a:lvl9pPr>
-          </a:lstStyle>
-          <a:p>
-            <a:pPr>
-              <a:spcAft>
-                <a:spcPts val="2000"/>
-              </a:spcAft>
-              <a:buFontTx/>
-              <a:buChar char="-"/>
-            </a:pPr>
-            <a:r>
-              <a:rPr lang="en-US" sz="1400" dirty="0">
-                <a:latin typeface="Segoe UI" panose="020B0502040204020203" pitchFamily="34" charset="0"/>
-                <a:cs typeface="Segoe UI" panose="020B0502040204020203" pitchFamily="34" charset="0"/>
-              </a:rPr>
-              <a:t>What are the differences between a URI and URL</a:t>
-            </a:r>
-          </a:p>
-          <a:p>
-            <a:pPr lvl="1">
-              <a:spcAft>
-                <a:spcPts val="2000"/>
-              </a:spcAft>
-              <a:buFontTx/>
-              <a:buChar char="-"/>
-            </a:pPr>
-            <a:r>
-              <a:rPr lang="en-US" sz="1400" dirty="0"/>
-              <a:t>URI stands for uniform resource </a:t>
-            </a:r>
-            <a:r>
-              <a:rPr lang="en-US" sz="1400" b="1" dirty="0"/>
-              <a:t>identifier</a:t>
-            </a:r>
-          </a:p>
-          <a:p>
-            <a:pPr lvl="1">
-              <a:spcAft>
-                <a:spcPts val="2000"/>
-              </a:spcAft>
-              <a:buFontTx/>
-              <a:buChar char="-"/>
-            </a:pPr>
-            <a:r>
-              <a:rPr lang="en-US" sz="1400" dirty="0"/>
-              <a:t>URL stands for uniform resource </a:t>
-            </a:r>
-            <a:r>
-              <a:rPr lang="en-US" sz="1400" b="1" dirty="0"/>
-              <a:t>locator</a:t>
-            </a:r>
-          </a:p>
-          <a:p>
-            <a:pPr>
-              <a:spcAft>
-                <a:spcPts val="2000"/>
-              </a:spcAft>
-              <a:buFontTx/>
-              <a:buChar char="-"/>
-            </a:pPr>
-            <a:r>
-              <a:rPr lang="en-US" sz="1400" dirty="0">
-                <a:latin typeface="Segoe UI" panose="020B0502040204020203" pitchFamily="34" charset="0"/>
-                <a:cs typeface="Segoe UI" panose="020B0502040204020203" pitchFamily="34" charset="0"/>
-              </a:rPr>
-              <a:t>Not all URIs are URLs. URIs </a:t>
-            </a:r>
-            <a:r>
-              <a:rPr lang="en-US" sz="1400" b="1" dirty="0">
-                <a:latin typeface="Segoe UI" panose="020B0502040204020203" pitchFamily="34" charset="0"/>
-                <a:cs typeface="Segoe UI" panose="020B0502040204020203" pitchFamily="34" charset="0"/>
-              </a:rPr>
-              <a:t>identify</a:t>
-            </a:r>
-            <a:r>
-              <a:rPr lang="en-US" sz="1400" dirty="0">
-                <a:latin typeface="Segoe UI" panose="020B0502040204020203" pitchFamily="34" charset="0"/>
-                <a:cs typeface="Segoe UI" panose="020B0502040204020203" pitchFamily="34" charset="0"/>
-              </a:rPr>
-              <a:t> the network location of a resource by defining a protocol for the web resource. The URL </a:t>
-            </a:r>
-            <a:r>
-              <a:rPr lang="en-US" sz="1400" b="1" dirty="0">
-                <a:latin typeface="Segoe UI" panose="020B0502040204020203" pitchFamily="34" charset="0"/>
-                <a:cs typeface="Segoe UI" panose="020B0502040204020203" pitchFamily="34" charset="0"/>
-              </a:rPr>
-              <a:t>defines</a:t>
-            </a:r>
-            <a:r>
-              <a:rPr lang="en-US" sz="1400" dirty="0">
-                <a:latin typeface="Segoe UI" panose="020B0502040204020203" pitchFamily="34" charset="0"/>
-                <a:cs typeface="Segoe UI" panose="020B0502040204020203" pitchFamily="34" charset="0"/>
-              </a:rPr>
-              <a:t> where the resource can be obtained.</a:t>
-            </a:r>
-          </a:p>
-          <a:p>
-            <a:pPr>
-              <a:spcAft>
-                <a:spcPts val="2000"/>
-              </a:spcAft>
-              <a:buFontTx/>
-              <a:buChar char="-"/>
-            </a:pPr>
-            <a:r>
-              <a:rPr lang="en-US" sz="1400" dirty="0">
-                <a:latin typeface="Segoe UI" panose="020B0502040204020203" pitchFamily="34" charset="0"/>
-                <a:cs typeface="Segoe UI" panose="020B0502040204020203" pitchFamily="34" charset="0"/>
-              </a:rPr>
-              <a:t>Representations cannot be retrieved without a URL </a:t>
-            </a:r>
-          </a:p>
-          <a:p>
-            <a:pPr>
-              <a:spcAft>
-                <a:spcPts val="2000"/>
-              </a:spcAft>
-              <a:buFontTx/>
-              <a:buChar char="-"/>
-            </a:pPr>
-            <a:r>
-              <a:rPr lang="en-US" sz="1400" dirty="0"/>
-              <a:t>A resource that’s not identified by a URL cannot fulfill many of the Fielding constraints</a:t>
-            </a:r>
-          </a:p>
-        </p:txBody>
-      </p:sp>
-    </p:spTree>
-    <p:extLst>
-      <p:ext uri="{BB962C8B-B14F-4D97-AF65-F5344CB8AC3E}">
-        <p14:creationId xmlns:p14="http://schemas.microsoft.com/office/powerpoint/2010/main" val="422822416"/>
-      </p:ext>
-    </p:extLst>
-  </p:cSld>
-  <p:clrMapOvr>
-    <a:masterClrMapping/>
   </p:clrMapOvr>
   <mc:AlternateContent xmlns:mc="http://schemas.openxmlformats.org/markup-compatibility/2006" xmlns:p14="http://schemas.microsoft.com/office/powerpoint/2010/main">
     <mc:Choice Requires="p14">
@@ -7358,21 +7235,21 @@
 </file>
 
 <file path=customXml/item2.xml><?xml version="1.0" encoding="utf-8"?>
+<?mso-contentType ?>
+<FormTemplates xmlns="http://schemas.microsoft.com/sharepoint/v3/contenttype/forms">
+  <Display>DocumentLibraryForm</Display>
+  <Edit>DocumentLibraryForm</Edit>
+  <New>DocumentLibraryForm</New>
+</FormTemplates>
+</file>
+
+<file path=customXml/item3.xml><?xml version="1.0" encoding="utf-8"?>
 <p:properties xmlns:p="http://schemas.microsoft.com/office/2006/metadata/properties" xmlns:xsi="http://www.w3.org/2001/XMLSchema-instance" xmlns:pc="http://schemas.microsoft.com/office/infopath/2007/PartnerControls">
   <documentManagement>
     <Status xmlns="71af3243-3dd4-4a8d-8c0d-dd76da1f02a5">Not started</Status>
     <MediaServiceKeyPoints xmlns="71af3243-3dd4-4a8d-8c0d-dd76da1f02a5" xsi:nil="true"/>
   </documentManagement>
 </p:properties>
-</file>
-
-<file path=customXml/item3.xml><?xml version="1.0" encoding="utf-8"?>
-<?mso-contentType ?>
-<FormTemplates xmlns="http://schemas.microsoft.com/sharepoint/v3/contenttype/forms">
-  <Display>DocumentLibraryForm</Display>
-  <Edit>DocumentLibraryForm</Edit>
-  <New>DocumentLibraryForm</New>
-</FormTemplates>
 </file>
 
 <file path=customXml/itemProps1.xml><?xml version="1.0" encoding="utf-8"?>
@@ -7395,26 +7272,26 @@
 </file>
 
 <file path=customXml/itemProps2.xml><?xml version="1.0" encoding="utf-8"?>
-<ds:datastoreItem xmlns:ds="http://schemas.openxmlformats.org/officeDocument/2006/customXml" ds:itemID="{950072C5-DDE0-4258-BA7A-4D4B80DFA632}">
+<ds:datastoreItem xmlns:ds="http://schemas.openxmlformats.org/officeDocument/2006/customXml" ds:itemID="{7EE8C63A-4744-4DE4-BB49-0FF0B5375C60}">
   <ds:schemaRefs>
-    <ds:schemaRef ds:uri="http://schemas.microsoft.com/office/2006/documentManagement/types"/>
-    <ds:schemaRef ds:uri="http://purl.org/dc/dcmitype/"/>
-    <ds:schemaRef ds:uri="http://schemas.microsoft.com/office/infopath/2007/PartnerControls"/>
-    <ds:schemaRef ds:uri="http://purl.org/dc/elements/1.1/"/>
-    <ds:schemaRef ds:uri="http://schemas.microsoft.com/office/2006/metadata/properties"/>
-    <ds:schemaRef ds:uri="http://purl.org/dc/terms/"/>
-    <ds:schemaRef ds:uri="http://schemas.openxmlformats.org/package/2006/metadata/core-properties"/>
-    <ds:schemaRef ds:uri="16c05727-aa75-4e4a-9b5f-8a80a1165891"/>
-    <ds:schemaRef ds:uri="71af3243-3dd4-4a8d-8c0d-dd76da1f02a5"/>
-    <ds:schemaRef ds:uri="http://www.w3.org/XML/1998/namespace"/>
+    <ds:schemaRef ds:uri="http://schemas.microsoft.com/sharepoint/v3/contenttype/forms"/>
   </ds:schemaRefs>
 </ds:datastoreItem>
 </file>
 
 <file path=customXml/itemProps3.xml><?xml version="1.0" encoding="utf-8"?>
-<ds:datastoreItem xmlns:ds="http://schemas.openxmlformats.org/officeDocument/2006/customXml" ds:itemID="{7EE8C63A-4744-4DE4-BB49-0FF0B5375C60}">
+<ds:datastoreItem xmlns:ds="http://schemas.openxmlformats.org/officeDocument/2006/customXml" ds:itemID="{950072C5-DDE0-4258-BA7A-4D4B80DFA632}">
   <ds:schemaRefs>
-    <ds:schemaRef ds:uri="http://schemas.microsoft.com/sharepoint/v3/contenttype/forms"/>
+    <ds:schemaRef ds:uri="http://schemas.openxmlformats.org/package/2006/metadata/core-properties"/>
+    <ds:schemaRef ds:uri="16c05727-aa75-4e4a-9b5f-8a80a1165891"/>
+    <ds:schemaRef ds:uri="http://purl.org/dc/dcmitype/"/>
+    <ds:schemaRef ds:uri="http://schemas.microsoft.com/office/infopath/2007/PartnerControls"/>
+    <ds:schemaRef ds:uri="http://purl.org/dc/elements/1.1/"/>
+    <ds:schemaRef ds:uri="http://schemas.microsoft.com/office/2006/metadata/properties"/>
+    <ds:schemaRef ds:uri="http://schemas.microsoft.com/office/2006/documentManagement/types"/>
+    <ds:schemaRef ds:uri="71af3243-3dd4-4a8d-8c0d-dd76da1f02a5"/>
+    <ds:schemaRef ds:uri="http://www.w3.org/XML/1998/namespace"/>
+    <ds:schemaRef ds:uri="http://purl.org/dc/terms/"/>
   </ds:schemaRefs>
 </ds:datastoreItem>
 </file>
--- a/restful-api-presentations/phillips-presentation-week-3.pptx
+++ b/restful-api-presentations/phillips-presentation-week-3.pptx
@@ -255,7 +255,7 @@
           <a:p>
             <a:fld id="{80680FBE-A8DF-4758-9AC4-3A9E1039168F}" type="datetimeFigureOut">
               <a:rPr lang="en-US" smtClean="0"/>
-              <a:t>10/29/2019</a:t>
+              <a:t>10/30/2019</a:t>
             </a:fld>
             <a:endParaRPr lang="en-US" dirty="0"/>
           </a:p>
@@ -420,7 +420,7 @@
           <a:p>
             <a:fld id="{EC13577B-6902-467D-A26C-08A0DD5E4E03}" type="datetimeFigureOut">
               <a:rPr lang="en-US" smtClean="0"/>
-              <a:t>10/29/2019</a:t>
+              <a:t>10/30/2019</a:t>
             </a:fld>
             <a:endParaRPr lang="en-US" dirty="0"/>
           </a:p>
@@ -1312,7 +1312,7 @@
             <a:fld id="{8BEEBAAA-29B5-4AF5-BC5F-7E580C29002D}" type="datetimeFigureOut">
               <a:rPr lang="en-US" smtClean="0"/>
               <a:pPr/>
-              <a:t>10/29/2019</a:t>
+              <a:t>10/30/2019</a:t>
             </a:fld>
             <a:endParaRPr lang="en-US" dirty="0"/>
           </a:p>
@@ -1938,7 +1938,7 @@
             <a:fld id="{8BEEBAAA-29B5-4AF5-BC5F-7E580C29002D}" type="datetimeFigureOut">
               <a:rPr lang="en-US" smtClean="0"/>
               <a:pPr/>
-              <a:t>10/29/2019</a:t>
+              <a:t>10/30/2019</a:t>
             </a:fld>
             <a:endParaRPr lang="en-US" dirty="0"/>
           </a:p>
@@ -2556,7 +2556,7 @@
             </a:pPr>
             <a:r>
               <a:rPr lang="en-US" sz="1100" dirty="0"/>
-              <a:t>Richardson, L., &amp; Amundsen, M. (2013). RESTful Web APIs. Sebastopol, CA: O'REILLY.</a:t>
+              <a:t>Scribner, K. (2002, March 12). Solutions for Web Designers and Builders [PDF]. Retrieved from </a:t>
             </a:r>
           </a:p>
           <a:p>
@@ -2571,6 +2571,23 @@
                 <a:spcPts val="0"/>
               </a:spcAft>
             </a:pPr>
+            <a:r>
+              <a:rPr lang="en-US" sz="1100" dirty="0"/>
+              <a:t>     https://content.bellevue.edu/cst/WEB/WEB420/Week%203/SOAP%20Article.pdf</a:t>
+            </a:r>
+          </a:p>
+          <a:p>
+            <a:pPr>
+              <a:lnSpc>
+                <a:spcPct val="100000"/>
+              </a:lnSpc>
+              <a:spcBef>
+                <a:spcPts val="0"/>
+              </a:spcBef>
+              <a:spcAft>
+                <a:spcPts val="0"/>
+              </a:spcAft>
+            </a:pPr>
             <a:endParaRPr lang="en-US" sz="1100" dirty="0"/>
           </a:p>
           <a:p>
@@ -2586,11 +2603,39 @@
               </a:spcAft>
             </a:pPr>
             <a:r>
-              <a:rPr lang="en-US" sz="1100" dirty="0">
-                <a:hlinkClick r:id="rId3"/>
-              </a:rPr>
-              <a:t>https://content.bellevue.edu/cst/WEB/WEB420/Week%203/SOAP%20Article.pdf</a:t>
-            </a:r>
+              <a:rPr lang="en-US" sz="1100" dirty="0"/>
+              <a:t>Albrecht, C. C. (2004, February). How CLEAN IS THE FUTURE OF SOAP? [PDF]. Retrieved from </a:t>
+            </a:r>
+          </a:p>
+          <a:p>
+            <a:pPr>
+              <a:lnSpc>
+                <a:spcPct val="100000"/>
+              </a:lnSpc>
+              <a:spcBef>
+                <a:spcPts val="0"/>
+              </a:spcBef>
+              <a:spcAft>
+                <a:spcPts val="0"/>
+              </a:spcAft>
+            </a:pPr>
+            <a:r>
+              <a:rPr lang="en-US" sz="1100" dirty="0"/>
+              <a:t>     https://content.bellevue.edu/cst/WEB/WEB420/Week%203/How%20Clean%20is%20the%20Future%20of%20Soap.pdf </a:t>
+            </a:r>
+          </a:p>
+          <a:p>
+            <a:pPr>
+              <a:lnSpc>
+                <a:spcPct val="100000"/>
+              </a:lnSpc>
+              <a:spcBef>
+                <a:spcPts val="0"/>
+              </a:spcBef>
+              <a:spcAft>
+                <a:spcPts val="0"/>
+              </a:spcAft>
+            </a:pPr>
             <a:endParaRPr lang="en-US" sz="1100" dirty="0"/>
           </a:p>
           <a:p>
@@ -2605,6 +2650,60 @@
                 <a:spcPts val="0"/>
               </a:spcAft>
             </a:pPr>
+            <a:r>
+              <a:rPr lang="en-US" sz="1100" dirty="0" err="1"/>
+              <a:t>tutorialspoint</a:t>
+            </a:r>
+            <a:r>
+              <a:rPr lang="en-US" sz="1100" dirty="0"/>
+              <a:t>. (</a:t>
+            </a:r>
+            <a:r>
+              <a:rPr lang="en-US" sz="1100" dirty="0" err="1"/>
+              <a:t>n.d.</a:t>
+            </a:r>
+            <a:r>
+              <a:rPr lang="en-US" sz="1100" dirty="0"/>
+              <a:t>). SOAP - Envelope. Retrieved October 30, 2019, from </a:t>
+            </a:r>
+            <a:r>
+              <a:rPr lang="en-US" sz="1100" dirty="0" err="1"/>
+              <a:t>tutorialspoint</a:t>
+            </a:r>
+            <a:r>
+              <a:rPr lang="en-US" sz="1100" dirty="0"/>
+              <a:t> website: </a:t>
+            </a:r>
+          </a:p>
+          <a:p>
+            <a:pPr>
+              <a:lnSpc>
+                <a:spcPct val="100000"/>
+              </a:lnSpc>
+              <a:spcBef>
+                <a:spcPts val="0"/>
+              </a:spcBef>
+              <a:spcAft>
+                <a:spcPts val="0"/>
+              </a:spcAft>
+            </a:pPr>
+            <a:r>
+              <a:rPr lang="en-US" sz="1100" dirty="0"/>
+              <a:t>     https://www.tutorialspoint.com/soap/soap_envelope.htm </a:t>
+            </a:r>
+          </a:p>
+          <a:p>
+            <a:pPr>
+              <a:lnSpc>
+                <a:spcPct val="100000"/>
+              </a:lnSpc>
+              <a:spcBef>
+                <a:spcPts val="0"/>
+              </a:spcBef>
+              <a:spcAft>
+                <a:spcPts val="0"/>
+              </a:spcAft>
+            </a:pPr>
             <a:endParaRPr lang="en-US" sz="1100" dirty="0"/>
           </a:p>
           <a:p>
@@ -2620,13 +2719,125 @@
               </a:spcAft>
             </a:pPr>
             <a:r>
-              <a:rPr lang="en-US" sz="1100" dirty="0">
-                <a:hlinkClick r:id="rId4"/>
-              </a:rPr>
-              <a:t>https://content.bellevue.edu/cst/WEB/WEB420/Week%203/How%20Clean%20is%20the%20Future%20of%20Soap.pdf</a:t>
-            </a:r>
+              <a:rPr lang="en-US" sz="1100" dirty="0" err="1"/>
+              <a:t>tutorialspoint</a:t>
+            </a:r>
+            <a:r>
+              <a:rPr lang="en-US" sz="1100" dirty="0"/>
+              <a:t>. (</a:t>
+            </a:r>
+            <a:r>
+              <a:rPr lang="en-US" sz="1100" dirty="0" err="1"/>
+              <a:t>n.d.</a:t>
+            </a:r>
+            <a:r>
+              <a:rPr lang="en-US" sz="1100" dirty="0"/>
+              <a:t>). SOAP - Fault. Retrieved October 30, 2019, from </a:t>
+            </a:r>
+            <a:r>
+              <a:rPr lang="en-US" sz="1100" dirty="0" err="1"/>
+              <a:t>tutorialspoint</a:t>
+            </a:r>
+            <a:r>
+              <a:rPr lang="en-US" sz="1100" dirty="0"/>
+              <a:t> website: </a:t>
+            </a:r>
+          </a:p>
+          <a:p>
+            <a:pPr>
+              <a:lnSpc>
+                <a:spcPct val="100000"/>
+              </a:lnSpc>
+              <a:spcBef>
+                <a:spcPts val="0"/>
+              </a:spcBef>
+              <a:spcAft>
+                <a:spcPts val="0"/>
+              </a:spcAft>
+            </a:pPr>
+            <a:r>
+              <a:rPr lang="en-US" sz="1100" dirty="0"/>
+              <a:t>     https://www.tutorialspoint.com/soap/soap_fault.htm </a:t>
+            </a:r>
+          </a:p>
+          <a:p>
+            <a:pPr>
+              <a:lnSpc>
+                <a:spcPct val="100000"/>
+              </a:lnSpc>
+              <a:spcBef>
+                <a:spcPts val="0"/>
+              </a:spcBef>
+              <a:spcAft>
+                <a:spcPts val="0"/>
+              </a:spcAft>
+            </a:pPr>
+            <a:endParaRPr lang="en-US" sz="1100" dirty="0"/>
+          </a:p>
+          <a:p>
+            <a:pPr>
+              <a:lnSpc>
+                <a:spcPct val="100000"/>
+              </a:lnSpc>
+              <a:spcBef>
+                <a:spcPts val="0"/>
+              </a:spcBef>
+              <a:spcAft>
+                <a:spcPts val="0"/>
+              </a:spcAft>
+            </a:pPr>
+            <a:r>
+              <a:rPr lang="en-US" sz="1100" dirty="0"/>
+              <a:t>Pankaj. (</a:t>
+            </a:r>
+            <a:r>
+              <a:rPr lang="en-US" sz="1100" dirty="0" err="1"/>
+              <a:t>n.d.</a:t>
+            </a:r>
+            <a:r>
+              <a:rPr lang="en-US" sz="1100" dirty="0"/>
+              <a:t>). Web Services Interview Questions – SOAP, RESTful. Retrieved October 30, 2019, from </a:t>
+            </a:r>
+          </a:p>
+          <a:p>
+            <a:pPr>
+              <a:lnSpc>
+                <a:spcPct val="100000"/>
+              </a:lnSpc>
+              <a:spcBef>
+                <a:spcPts val="0"/>
+              </a:spcBef>
+              <a:spcAft>
+                <a:spcPts val="0"/>
+              </a:spcAft>
+            </a:pPr>
+            <a:r>
+              <a:rPr lang="en-US" sz="1100" dirty="0"/>
+              <a:t>     </a:t>
+            </a:r>
+            <a:r>
+              <a:rPr lang="en-US" sz="1100" dirty="0" err="1"/>
+              <a:t>journaldev</a:t>
+            </a:r>
+            <a:r>
+              <a:rPr lang="en-US" sz="1100" dirty="0"/>
+              <a:t> website: https://www.journaldev.com/9193/web-services-interview-questions-soap-restful </a:t>
+            </a:r>
+          </a:p>
+          <a:p>
+            <a:pPr>
+              <a:lnSpc>
+                <a:spcPct val="100000"/>
+              </a:lnSpc>
+              <a:spcBef>
+                <a:spcPts val="0"/>
+              </a:spcBef>
+              <a:spcAft>
+                <a:spcPts val="0"/>
+              </a:spcAft>
+            </a:pPr>
             <a:endParaRPr lang="en-US" sz="1100" dirty="0">
-              <a:hlinkClick r:id="rId5"/>
+              <a:hlinkClick r:id="rId3"/>
             </a:endParaRPr>
           </a:p>
           <a:p>
@@ -2641,9 +2852,7 @@
                 <a:spcPts val="0"/>
               </a:spcAft>
             </a:pPr>
-            <a:endParaRPr lang="en-US" sz="1100" dirty="0">
-              <a:hlinkClick r:id="rId5"/>
-            </a:endParaRPr>
+            <a:endParaRPr lang="en-US" sz="1100" dirty="0"/>
           </a:p>
           <a:p>
             <a:pPr>
@@ -2657,80 +2866,6 @@
                 <a:spcPts val="0"/>
               </a:spcAft>
             </a:pPr>
-            <a:r>
-              <a:rPr lang="en-US" sz="1100" dirty="0">
-                <a:hlinkClick r:id="rId5"/>
-              </a:rPr>
-              <a:t>https://www.tutorialspoint.com/soap/soap_envelope.htm</a:t>
-            </a:r>
-            <a:endParaRPr lang="en-US" sz="1100" dirty="0"/>
-          </a:p>
-          <a:p>
-            <a:pPr>
-              <a:lnSpc>
-                <a:spcPct val="100000"/>
-              </a:lnSpc>
-              <a:spcBef>
-                <a:spcPts val="0"/>
-              </a:spcBef>
-              <a:spcAft>
-                <a:spcPts val="0"/>
-              </a:spcAft>
-            </a:pPr>
-            <a:endParaRPr lang="en-US" sz="1100" dirty="0"/>
-          </a:p>
-          <a:p>
-            <a:pPr>
-              <a:lnSpc>
-                <a:spcPct val="100000"/>
-              </a:lnSpc>
-              <a:spcBef>
-                <a:spcPts val="0"/>
-              </a:spcBef>
-              <a:spcAft>
-                <a:spcPts val="0"/>
-              </a:spcAft>
-            </a:pPr>
-            <a:r>
-              <a:rPr lang="en-US" sz="1100" dirty="0">
-                <a:hlinkClick r:id="rId6"/>
-              </a:rPr>
-              <a:t>https://www.tutorialspoint.com/soap/soap_fault.htm</a:t>
-            </a:r>
-            <a:endParaRPr lang="en-US" sz="1100" dirty="0"/>
-          </a:p>
-          <a:p>
-            <a:pPr>
-              <a:lnSpc>
-                <a:spcPct val="100000"/>
-              </a:lnSpc>
-              <a:spcBef>
-                <a:spcPts val="0"/>
-              </a:spcBef>
-              <a:spcAft>
-                <a:spcPts val="0"/>
-              </a:spcAft>
-            </a:pPr>
-            <a:endParaRPr lang="en-US" sz="1100" dirty="0"/>
-          </a:p>
-          <a:p>
-            <a:pPr>
-              <a:lnSpc>
-                <a:spcPct val="100000"/>
-              </a:lnSpc>
-              <a:spcBef>
-                <a:spcPts val="0"/>
-              </a:spcBef>
-              <a:spcAft>
-                <a:spcPts val="0"/>
-              </a:spcAft>
-            </a:pPr>
-            <a:r>
-              <a:rPr lang="en-US" sz="1100" dirty="0">
-                <a:hlinkClick r:id="rId7"/>
-              </a:rPr>
-              <a:t>https://www.journaldev.com/9193/web-services-interview-questions-soap-restful</a:t>
-            </a:r>
             <a:endParaRPr lang="en-US" sz="1100" dirty="0"/>
           </a:p>
           <a:p>
@@ -7282,16 +7417,16 @@
 <file path=customXml/itemProps3.xml><?xml version="1.0" encoding="utf-8"?>
 <ds:datastoreItem xmlns:ds="http://schemas.openxmlformats.org/officeDocument/2006/customXml" ds:itemID="{950072C5-DDE0-4258-BA7A-4D4B80DFA632}">
   <ds:schemaRefs>
+    <ds:schemaRef ds:uri="http://purl.org/dc/elements/1.1/"/>
+    <ds:schemaRef ds:uri="http://schemas.microsoft.com/office/2006/metadata/properties"/>
+    <ds:schemaRef ds:uri="http://purl.org/dc/terms/"/>
     <ds:schemaRef ds:uri="http://schemas.openxmlformats.org/package/2006/metadata/core-properties"/>
-    <ds:schemaRef ds:uri="16c05727-aa75-4e4a-9b5f-8a80a1165891"/>
+    <ds:schemaRef ds:uri="http://schemas.microsoft.com/office/2006/documentManagement/types"/>
     <ds:schemaRef ds:uri="http://purl.org/dc/dcmitype/"/>
     <ds:schemaRef ds:uri="http://schemas.microsoft.com/office/infopath/2007/PartnerControls"/>
-    <ds:schemaRef ds:uri="http://purl.org/dc/elements/1.1/"/>
-    <ds:schemaRef ds:uri="http://schemas.microsoft.com/office/2006/metadata/properties"/>
-    <ds:schemaRef ds:uri="http://schemas.microsoft.com/office/2006/documentManagement/types"/>
+    <ds:schemaRef ds:uri="16c05727-aa75-4e4a-9b5f-8a80a1165891"/>
     <ds:schemaRef ds:uri="71af3243-3dd4-4a8d-8c0d-dd76da1f02a5"/>
     <ds:schemaRef ds:uri="http://www.w3.org/XML/1998/namespace"/>
-    <ds:schemaRef ds:uri="http://purl.org/dc/terms/"/>
   </ds:schemaRefs>
 </ds:datastoreItem>
 </file>